--- a/Lectures/lec11-transaction.pptx
+++ b/Lectures/lec11-transaction.pptx
@@ -651,7 +651,7 @@
     </p:spTree>
     <p:extLst>
       <p:ext uri="{BB962C8B-B14F-4D97-AF65-F5344CB8AC3E}">
-        <p14:creationId xmlns:p14="http://schemas.microsoft.com/office/powerpoint/2010/main" val="1926832773"/>
+        <p14:creationId xmlns:p14="http://schemas.microsoft.com/office/powerpoint/2010/main" val="761159476"/>
       </p:ext>
     </p:extLst>
   </p:cSld>
@@ -720,7 +720,7 @@
     </p:spTree>
     <p:extLst>
       <p:ext uri="{BB962C8B-B14F-4D97-AF65-F5344CB8AC3E}">
-        <p14:creationId xmlns:p14="http://schemas.microsoft.com/office/powerpoint/2010/main" val="176487790"/>
+        <p14:creationId xmlns:p14="http://schemas.microsoft.com/office/powerpoint/2010/main" val="1926832773"/>
       </p:ext>
     </p:extLst>
   </p:cSld>
@@ -789,7 +789,7 @@
     </p:spTree>
     <p:extLst>
       <p:ext uri="{BB962C8B-B14F-4D97-AF65-F5344CB8AC3E}">
-        <p14:creationId xmlns:p14="http://schemas.microsoft.com/office/powerpoint/2010/main" val="1140046699"/>
+        <p14:creationId xmlns:p14="http://schemas.microsoft.com/office/powerpoint/2010/main" val="176487790"/>
       </p:ext>
     </p:extLst>
   </p:cSld>
@@ -858,7 +858,7 @@
     </p:spTree>
     <p:extLst>
       <p:ext uri="{BB962C8B-B14F-4D97-AF65-F5344CB8AC3E}">
-        <p14:creationId xmlns:p14="http://schemas.microsoft.com/office/powerpoint/2010/main" val="357294064"/>
+        <p14:creationId xmlns:p14="http://schemas.microsoft.com/office/powerpoint/2010/main" val="1140046699"/>
       </p:ext>
     </p:extLst>
   </p:cSld>
@@ -887,7 +887,7 @@
       </p:grpSpPr>
       <p:sp>
         <p:nvSpPr>
-          <p:cNvPr id="16386" name="Rectangle 2"/>
+          <p:cNvPr id="12290" name="Rectangle 2"/>
           <p:cNvSpPr>
             <a:spLocks noGrp="1" noRot="1" noChangeAspect="1" noChangeArrowheads="1" noTextEdit="1"/>
           </p:cNvSpPr>
@@ -905,7 +905,7 @@
       </p:sp>
       <p:sp>
         <p:nvSpPr>
-          <p:cNvPr id="16387" name="Rectangle 3"/>
+          <p:cNvPr id="12291" name="Rectangle 3"/>
           <p:cNvSpPr>
             <a:spLocks noGrp="1" noChangeArrowheads="1"/>
           </p:cNvSpPr>
@@ -927,7 +927,7 @@
     </p:spTree>
     <p:extLst>
       <p:ext uri="{BB962C8B-B14F-4D97-AF65-F5344CB8AC3E}">
-        <p14:creationId xmlns:p14="http://schemas.microsoft.com/office/powerpoint/2010/main" val="1077943341"/>
+        <p14:creationId xmlns:p14="http://schemas.microsoft.com/office/powerpoint/2010/main" val="357294064"/>
       </p:ext>
     </p:extLst>
   </p:cSld>
@@ -956,7 +956,7 @@
       </p:grpSpPr>
       <p:sp>
         <p:nvSpPr>
-          <p:cNvPr id="18434" name="Rectangle 2"/>
+          <p:cNvPr id="16386" name="Rectangle 2"/>
           <p:cNvSpPr>
             <a:spLocks noGrp="1" noRot="1" noChangeAspect="1" noChangeArrowheads="1" noTextEdit="1"/>
           </p:cNvSpPr>
@@ -974,7 +974,7 @@
       </p:sp>
       <p:sp>
         <p:nvSpPr>
-          <p:cNvPr id="18435" name="Rectangle 3"/>
+          <p:cNvPr id="16387" name="Rectangle 3"/>
           <p:cNvSpPr>
             <a:spLocks noGrp="1" noChangeArrowheads="1"/>
           </p:cNvSpPr>
@@ -996,7 +996,7 @@
     </p:spTree>
     <p:extLst>
       <p:ext uri="{BB962C8B-B14F-4D97-AF65-F5344CB8AC3E}">
-        <p14:creationId xmlns:p14="http://schemas.microsoft.com/office/powerpoint/2010/main" val="639047220"/>
+        <p14:creationId xmlns:p14="http://schemas.microsoft.com/office/powerpoint/2010/main" val="1077943341"/>
       </p:ext>
     </p:extLst>
   </p:cSld>
@@ -1065,7 +1065,7 @@
     </p:spTree>
     <p:extLst>
       <p:ext uri="{BB962C8B-B14F-4D97-AF65-F5344CB8AC3E}">
-        <p14:creationId xmlns:p14="http://schemas.microsoft.com/office/powerpoint/2010/main" val="1799246301"/>
+        <p14:creationId xmlns:p14="http://schemas.microsoft.com/office/powerpoint/2010/main" val="639047220"/>
       </p:ext>
     </p:extLst>
   </p:cSld>
@@ -1134,6 +1134,75 @@
     </p:spTree>
     <p:extLst>
       <p:ext uri="{BB962C8B-B14F-4D97-AF65-F5344CB8AC3E}">
+        <p14:creationId xmlns:p14="http://schemas.microsoft.com/office/powerpoint/2010/main" val="1799246301"/>
+      </p:ext>
+    </p:extLst>
+  </p:cSld>
+  <p:clrMapOvr>
+    <a:masterClrMapping/>
+  </p:clrMapOvr>
+</p:notes>
+</file>
+
+<file path=ppt/notesSlides/notesSlide18.xml><?xml version="1.0" encoding="utf-8"?>
+<p:notes xmlns:a="http://schemas.openxmlformats.org/drawingml/2006/main" xmlns:r="http://schemas.openxmlformats.org/officeDocument/2006/relationships" xmlns:p="http://schemas.openxmlformats.org/presentationml/2006/main">
+  <p:cSld>
+    <p:spTree>
+      <p:nvGrpSpPr>
+        <p:cNvPr id="1" name=""/>
+        <p:cNvGrpSpPr/>
+        <p:nvPr/>
+      </p:nvGrpSpPr>
+      <p:grpSpPr>
+        <a:xfrm>
+          <a:off x="0" y="0"/>
+          <a:ext cx="0" cy="0"/>
+          <a:chOff x="0" y="0"/>
+          <a:chExt cx="0" cy="0"/>
+        </a:xfrm>
+      </p:grpSpPr>
+      <p:sp>
+        <p:nvSpPr>
+          <p:cNvPr id="18434" name="Rectangle 2"/>
+          <p:cNvSpPr>
+            <a:spLocks noGrp="1" noRot="1" noChangeAspect="1" noChangeArrowheads="1" noTextEdit="1"/>
+          </p:cNvSpPr>
+          <p:nvPr>
+            <p:ph type="sldImg"/>
+          </p:nvPr>
+        </p:nvSpPr>
+        <p:spPr>
+          <a:xfrm>
+            <a:off x="1150938" y="692150"/>
+            <a:ext cx="4556125" cy="3416300"/>
+          </a:xfrm>
+          <a:ln cap="flat"/>
+        </p:spPr>
+      </p:sp>
+      <p:sp>
+        <p:nvSpPr>
+          <p:cNvPr id="18435" name="Rectangle 3"/>
+          <p:cNvSpPr>
+            <a:spLocks noGrp="1" noChangeArrowheads="1"/>
+          </p:cNvSpPr>
+          <p:nvPr>
+            <p:ph type="body" idx="1"/>
+          </p:nvPr>
+        </p:nvSpPr>
+        <p:spPr>
+          <a:ln/>
+        </p:spPr>
+        <p:txBody>
+          <a:bodyPr/>
+          <a:lstStyle/>
+          <a:p>
+            <a:endParaRPr lang="en-US"/>
+          </a:p>
+        </p:txBody>
+      </p:sp>
+    </p:spTree>
+    <p:extLst>
+      <p:ext uri="{BB962C8B-B14F-4D97-AF65-F5344CB8AC3E}">
         <p14:creationId xmlns:p14="http://schemas.microsoft.com/office/powerpoint/2010/main" val="679524267"/>
       </p:ext>
     </p:extLst>
@@ -1144,7 +1213,7 @@
 </p:notes>
 </file>
 
-<file path=ppt/notesSlides/notesSlide18.xml><?xml version="1.0" encoding="utf-8"?>
+<file path=ppt/notesSlides/notesSlide19.xml><?xml version="1.0" encoding="utf-8"?>
 <p:notes xmlns:a="http://schemas.openxmlformats.org/drawingml/2006/main" xmlns:r="http://schemas.openxmlformats.org/officeDocument/2006/relationships" xmlns:p="http://schemas.openxmlformats.org/presentationml/2006/main">
   <p:cSld>
     <p:spTree>
@@ -1658,7 +1727,7 @@
             <a:spLocks noGrp="1"/>
           </p:cNvSpPr>
           <p:nvPr>
-            <p:ph type="sldNum" sz="quarter" idx="10"/>
+            <p:ph type="sldNum" sz="quarter" idx="5"/>
           </p:nvPr>
         </p:nvSpPr>
         <p:spPr/>
@@ -1666,9 +1735,9 @@
           <a:bodyPr/>
           <a:lstStyle/>
           <a:p>
-            <a:fld id="{5C51AC33-2668-6F42-B2CD-39487A8BC4B6}" type="slidenum">
+            <a:fld id="{F8217A12-A6ED-4C4A-8400-036634305785}" type="slidenum">
               <a:rPr lang="en-US" smtClean="0"/>
-              <a:t>19</a:t>
+              <a:t>15</a:t>
             </a:fld>
             <a:endParaRPr lang="en-US"/>
           </a:p>
@@ -1677,7 +1746,7 @@
     </p:spTree>
     <p:extLst>
       <p:ext uri="{BB962C8B-B14F-4D97-AF65-F5344CB8AC3E}">
-        <p14:creationId xmlns:p14="http://schemas.microsoft.com/office/powerpoint/2010/main" val="980903871"/>
+        <p14:creationId xmlns:p14="http://schemas.microsoft.com/office/powerpoint/2010/main" val="482685165"/>
       </p:ext>
     </p:extLst>
   </p:cSld>
@@ -1706,39 +1775,54 @@
       </p:grpSpPr>
       <p:sp>
         <p:nvSpPr>
-          <p:cNvPr id="8194" name="Rectangle 2"/>
+          <p:cNvPr id="2" name="Slide Image Placeholder 1"/>
           <p:cNvSpPr>
-            <a:spLocks noGrp="1" noRot="1" noChangeAspect="1" noChangeArrowheads="1" noTextEdit="1"/>
+            <a:spLocks noGrp="1" noRot="1" noChangeAspect="1"/>
           </p:cNvSpPr>
           <p:nvPr>
             <p:ph type="sldImg"/>
           </p:nvPr>
         </p:nvSpPr>
-        <p:spPr>
-          <a:xfrm>
-            <a:off x="1150938" y="692150"/>
-            <a:ext cx="4556125" cy="3416300"/>
-          </a:xfrm>
-          <a:ln cap="flat"/>
-        </p:spPr>
-      </p:sp>
-      <p:sp>
-        <p:nvSpPr>
-          <p:cNvPr id="8195" name="Rectangle 3"/>
+        <p:spPr/>
+      </p:sp>
+      <p:sp>
+        <p:nvSpPr>
+          <p:cNvPr id="3" name="Notes Placeholder 2"/>
           <p:cNvSpPr>
-            <a:spLocks noGrp="1" noChangeArrowheads="1"/>
+            <a:spLocks noGrp="1"/>
           </p:cNvSpPr>
           <p:nvPr>
             <p:ph type="body" idx="1"/>
           </p:nvPr>
         </p:nvSpPr>
-        <p:spPr>
-          <a:ln/>
-        </p:spPr>
+        <p:spPr/>
         <p:txBody>
           <a:bodyPr/>
           <a:lstStyle/>
           <a:p>
+            <a:endParaRPr lang="en-US" dirty="0"/>
+          </a:p>
+        </p:txBody>
+      </p:sp>
+      <p:sp>
+        <p:nvSpPr>
+          <p:cNvPr id="4" name="Slide Number Placeholder 3"/>
+          <p:cNvSpPr>
+            <a:spLocks noGrp="1"/>
+          </p:cNvSpPr>
+          <p:nvPr>
+            <p:ph type="sldNum" sz="quarter" idx="10"/>
+          </p:nvPr>
+        </p:nvSpPr>
+        <p:spPr/>
+        <p:txBody>
+          <a:bodyPr/>
+          <a:lstStyle/>
+          <a:p>
+            <a:fld id="{5C51AC33-2668-6F42-B2CD-39487A8BC4B6}" type="slidenum">
+              <a:rPr lang="en-US" smtClean="0"/>
+              <a:t>19</a:t>
+            </a:fld>
             <a:endParaRPr lang="en-US"/>
           </a:p>
         </p:txBody>
@@ -1746,7 +1830,7 @@
     </p:spTree>
     <p:extLst>
       <p:ext uri="{BB962C8B-B14F-4D97-AF65-F5344CB8AC3E}">
-        <p14:creationId xmlns:p14="http://schemas.microsoft.com/office/powerpoint/2010/main" val="248656510"/>
+        <p14:creationId xmlns:p14="http://schemas.microsoft.com/office/powerpoint/2010/main" val="980903871"/>
       </p:ext>
     </p:extLst>
   </p:cSld>
@@ -1775,7 +1859,7 @@
       </p:grpSpPr>
       <p:sp>
         <p:nvSpPr>
-          <p:cNvPr id="12290" name="Rectangle 2"/>
+          <p:cNvPr id="8194" name="Rectangle 2"/>
           <p:cNvSpPr>
             <a:spLocks noGrp="1" noRot="1" noChangeAspect="1" noChangeArrowheads="1" noTextEdit="1"/>
           </p:cNvSpPr>
@@ -1793,7 +1877,7 @@
       </p:sp>
       <p:sp>
         <p:nvSpPr>
-          <p:cNvPr id="12291" name="Rectangle 3"/>
+          <p:cNvPr id="8195" name="Rectangle 3"/>
           <p:cNvSpPr>
             <a:spLocks noGrp="1" noChangeArrowheads="1"/>
           </p:cNvSpPr>
@@ -1815,7 +1899,7 @@
     </p:spTree>
     <p:extLst>
       <p:ext uri="{BB962C8B-B14F-4D97-AF65-F5344CB8AC3E}">
-        <p14:creationId xmlns:p14="http://schemas.microsoft.com/office/powerpoint/2010/main" val="761159476"/>
+        <p14:creationId xmlns:p14="http://schemas.microsoft.com/office/powerpoint/2010/main" val="248656510"/>
       </p:ext>
     </p:extLst>
   </p:cSld>
@@ -1953,7 +2037,7 @@
           <a:bodyPr/>
           <a:lstStyle/>
           <a:p>
-            <a:fld id="{0D4DE428-BBF4-1143-A4EA-528F677E396D}" type="datetime1">
+            <a:fld id="{D1B8D810-AD91-BC4A-A7B0-D9DE354932C3}" type="datetime1">
               <a:rPr lang="en-CA" smtClean="0"/>
               <a:t>2018-11-20</a:t>
             </a:fld>
@@ -2126,7 +2210,7 @@
           <a:bodyPr/>
           <a:lstStyle/>
           <a:p>
-            <a:fld id="{6C1E0F70-3CE0-E740-B1C9-DCF73F9043F3}" type="datetime1">
+            <a:fld id="{F4952DB5-0D5D-E74C-B1E0-43A7B6B1CE90}" type="datetime1">
               <a:rPr lang="en-CA" smtClean="0"/>
               <a:t>2018-11-20</a:t>
             </a:fld>
@@ -2309,7 +2393,7 @@
           <a:bodyPr/>
           <a:lstStyle/>
           <a:p>
-            <a:fld id="{4C5E3B8F-5FFC-7C48-940E-DACC7C03B716}" type="datetime1">
+            <a:fld id="{44471B89-5154-5E4E-9BFC-A4FAD56B7FCC}" type="datetime1">
               <a:rPr lang="en-CA" smtClean="0"/>
               <a:t>2018-11-20</a:t>
             </a:fld>
@@ -2486,7 +2570,7 @@
           <a:bodyPr/>
           <a:lstStyle/>
           <a:p>
-            <a:fld id="{9EC18A82-6735-E04B-8622-95F867B710E2}" type="datetime1">
+            <a:fld id="{4C0AE8D6-85DF-E045-B737-C40254EC2D8E}" type="datetime1">
               <a:rPr lang="en-CA" smtClean="0"/>
               <a:t>2018-11-20</a:t>
             </a:fld>
@@ -2733,7 +2817,7 @@
           <a:bodyPr/>
           <a:lstStyle/>
           <a:p>
-            <a:fld id="{A7446DEB-886E-094A-A2DA-759A3C54369E}" type="datetime1">
+            <a:fld id="{A1176C46-D8EC-2C49-B218-08DA609B2385}" type="datetime1">
               <a:rPr lang="en-CA" smtClean="0"/>
               <a:t>2018-11-20</a:t>
             </a:fld>
@@ -2973,7 +3057,7 @@
           <a:bodyPr/>
           <a:lstStyle/>
           <a:p>
-            <a:fld id="{B2D545F9-7F80-474A-B173-990E06F99A2F}" type="datetime1">
+            <a:fld id="{8F021220-BE34-5A46-B2B0-7298E582A24B}" type="datetime1">
               <a:rPr lang="en-CA" smtClean="0"/>
               <a:t>2018-11-20</a:t>
             </a:fld>
@@ -3343,7 +3427,7 @@
           <a:bodyPr/>
           <a:lstStyle/>
           <a:p>
-            <a:fld id="{E46B5771-0483-6F43-8804-FA069B863910}" type="datetime1">
+            <a:fld id="{7D403508-7ED4-6B45-8FAC-0A1EC05946AE}" type="datetime1">
               <a:rPr lang="en-CA" smtClean="0"/>
               <a:t>2018-11-20</a:t>
             </a:fld>
@@ -3464,7 +3548,7 @@
           <a:bodyPr/>
           <a:lstStyle/>
           <a:p>
-            <a:fld id="{D58F98B2-8C0B-B947-8441-C42D8CD342F4}" type="datetime1">
+            <a:fld id="{D9E9D0FF-6B87-6048-894B-140340A2F4D5}" type="datetime1">
               <a:rPr lang="en-CA" smtClean="0"/>
               <a:t>2018-11-20</a:t>
             </a:fld>
@@ -3562,7 +3646,7 @@
           <a:bodyPr/>
           <a:lstStyle/>
           <a:p>
-            <a:fld id="{ED814837-9188-2749-BC24-68A8C4F19383}" type="datetime1">
+            <a:fld id="{FC5BFE06-9983-9C4C-9CF3-4FD3F20816B6}" type="datetime1">
               <a:rPr lang="en-CA" smtClean="0"/>
               <a:t>2018-11-20</a:t>
             </a:fld>
@@ -3842,7 +3926,7 @@
           <a:bodyPr/>
           <a:lstStyle/>
           <a:p>
-            <a:fld id="{92078DF9-6355-C848-85B0-D451FD567573}" type="datetime1">
+            <a:fld id="{282C260A-E455-5B4A-980A-F280BB3E7AD4}" type="datetime1">
               <a:rPr lang="en-CA" smtClean="0"/>
               <a:t>2018-11-20</a:t>
             </a:fld>
@@ -4102,7 +4186,7 @@
           <a:bodyPr/>
           <a:lstStyle/>
           <a:p>
-            <a:fld id="{2BA86EF4-3555-B74F-9D68-746998D17211}" type="datetime1">
+            <a:fld id="{15DD5A78-BECC-1E45-9C18-D20E9996B6C0}" type="datetime1">
               <a:rPr lang="en-CA" smtClean="0"/>
               <a:t>2018-11-20</a:t>
             </a:fld>
@@ -4318,7 +4402,7 @@
             </a:lvl1pPr>
           </a:lstStyle>
           <a:p>
-            <a:fld id="{9CDAA7C2-EA23-BD44-8D9B-221132F97325}" type="datetime1">
+            <a:fld id="{E2722350-5FAB-9C4B-93CB-22E902991877}" type="datetime1">
               <a:rPr lang="en-CA" smtClean="0"/>
               <a:t>2018-11-20</a:t>
             </a:fld>
@@ -5083,6 +5167,35 @@
               </a:rPr>
               <a:t>: Have the DBMS handle running several user TXNs concurrently, in order to keep CPUs humming…</a:t>
             </a:r>
+          </a:p>
+        </p:txBody>
+      </p:sp>
+      <p:sp>
+        <p:nvSpPr>
+          <p:cNvPr id="2" name="Slide Number Placeholder 1">
+            <a:extLst>
+              <a:ext uri="{FF2B5EF4-FFF2-40B4-BE49-F238E27FC236}">
+                <a16:creationId xmlns:a16="http://schemas.microsoft.com/office/drawing/2014/main" id="{52C0BBA9-02CA-B54B-AB9B-BB30B462575F}"/>
+              </a:ext>
+            </a:extLst>
+          </p:cNvPr>
+          <p:cNvSpPr>
+            <a:spLocks noGrp="1"/>
+          </p:cNvSpPr>
+          <p:nvPr>
+            <p:ph type="sldNum" sz="quarter" idx="12"/>
+          </p:nvPr>
+        </p:nvSpPr>
+        <p:spPr/>
+        <p:txBody>
+          <a:bodyPr/>
+          <a:lstStyle/>
+          <a:p>
+            <a:fld id="{24AF9547-1ADA-7741-9454-C97103F281DA}" type="slidenum">
+              <a:rPr lang="en-US" smtClean="0"/>
+              <a:t>10</a:t>
+            </a:fld>
+            <a:endParaRPr lang="en-US"/>
           </a:p>
         </p:txBody>
       </p:sp>
@@ -9473,6 +9586,35 @@
           </a:p>
         </p:txBody>
       </p:sp>
+      <p:sp>
+        <p:nvSpPr>
+          <p:cNvPr id="6" name="Slide Number Placeholder 5">
+            <a:extLst>
+              <a:ext uri="{FF2B5EF4-FFF2-40B4-BE49-F238E27FC236}">
+                <a16:creationId xmlns:a16="http://schemas.microsoft.com/office/drawing/2014/main" id="{C9D28EE5-026B-5B4C-8CEF-1635254A3BB8}"/>
+              </a:ext>
+            </a:extLst>
+          </p:cNvPr>
+          <p:cNvSpPr>
+            <a:spLocks noGrp="1"/>
+          </p:cNvSpPr>
+          <p:nvPr>
+            <p:ph type="sldNum" sz="quarter" idx="12"/>
+          </p:nvPr>
+        </p:nvSpPr>
+        <p:spPr/>
+        <p:txBody>
+          <a:bodyPr/>
+          <a:lstStyle/>
+          <a:p>
+            <a:fld id="{24AF9547-1ADA-7741-9454-C97103F281DA}" type="slidenum">
+              <a:rPr lang="en-US" smtClean="0"/>
+              <a:t>18</a:t>
+            </a:fld>
+            <a:endParaRPr lang="en-US"/>
+          </a:p>
+        </p:txBody>
+      </p:sp>
     </p:spTree>
     <p:extLst>
       <p:ext uri="{BB962C8B-B14F-4D97-AF65-F5344CB8AC3E}">
@@ -11104,6 +11246,35 @@
           </a:fontRef>
         </p:style>
       </p:cxnSp>
+      <p:sp>
+        <p:nvSpPr>
+          <p:cNvPr id="5" name="Slide Number Placeholder 4">
+            <a:extLst>
+              <a:ext uri="{FF2B5EF4-FFF2-40B4-BE49-F238E27FC236}">
+                <a16:creationId xmlns:a16="http://schemas.microsoft.com/office/drawing/2014/main" id="{0601D154-39BF-7D47-9686-9B1829685DBF}"/>
+              </a:ext>
+            </a:extLst>
+          </p:cNvPr>
+          <p:cNvSpPr>
+            <a:spLocks noGrp="1"/>
+          </p:cNvSpPr>
+          <p:nvPr>
+            <p:ph type="sldNum" sz="quarter" idx="12"/>
+          </p:nvPr>
+        </p:nvSpPr>
+        <p:spPr/>
+        <p:txBody>
+          <a:bodyPr/>
+          <a:lstStyle/>
+          <a:p>
+            <a:fld id="{24AF9547-1ADA-7741-9454-C97103F281DA}" type="slidenum">
+              <a:rPr lang="en-US" smtClean="0"/>
+              <a:t>19</a:t>
+            </a:fld>
+            <a:endParaRPr lang="en-US"/>
+          </a:p>
+        </p:txBody>
+      </p:sp>
     </p:spTree>
     <p:extLst>
       <p:ext uri="{BB962C8B-B14F-4D97-AF65-F5344CB8AC3E}">
@@ -13010,6 +13181,35 @@
           </a:p>
         </p:txBody>
       </p:sp>
+      <p:sp>
+        <p:nvSpPr>
+          <p:cNvPr id="4" name="Slide Number Placeholder 3">
+            <a:extLst>
+              <a:ext uri="{FF2B5EF4-FFF2-40B4-BE49-F238E27FC236}">
+                <a16:creationId xmlns:a16="http://schemas.microsoft.com/office/drawing/2014/main" id="{0BE86292-EF6E-C142-AD97-98D54407065C}"/>
+              </a:ext>
+            </a:extLst>
+          </p:cNvPr>
+          <p:cNvSpPr>
+            <a:spLocks noGrp="1"/>
+          </p:cNvSpPr>
+          <p:nvPr>
+            <p:ph type="sldNum" sz="quarter" idx="12"/>
+          </p:nvPr>
+        </p:nvSpPr>
+        <p:spPr/>
+        <p:txBody>
+          <a:bodyPr/>
+          <a:lstStyle/>
+          <a:p>
+            <a:fld id="{24AF9547-1ADA-7741-9454-C97103F281DA}" type="slidenum">
+              <a:rPr lang="en-US" smtClean="0"/>
+              <a:t>21</a:t>
+            </a:fld>
+            <a:endParaRPr lang="en-US"/>
+          </a:p>
+        </p:txBody>
+      </p:sp>
     </p:spTree>
     <p:extLst>
       <p:ext uri="{BB962C8B-B14F-4D97-AF65-F5344CB8AC3E}">
@@ -13993,6 +14193,35 @@
           </a:p>
         </p:txBody>
       </p:sp>
+      <p:sp>
+        <p:nvSpPr>
+          <p:cNvPr id="3" name="Slide Number Placeholder 2">
+            <a:extLst>
+              <a:ext uri="{FF2B5EF4-FFF2-40B4-BE49-F238E27FC236}">
+                <a16:creationId xmlns:a16="http://schemas.microsoft.com/office/drawing/2014/main" id="{9A49D11C-36AD-BD4C-8137-9CFBF50361CE}"/>
+              </a:ext>
+            </a:extLst>
+          </p:cNvPr>
+          <p:cNvSpPr>
+            <a:spLocks noGrp="1"/>
+          </p:cNvSpPr>
+          <p:nvPr>
+            <p:ph type="sldNum" sz="quarter" idx="12"/>
+          </p:nvPr>
+        </p:nvSpPr>
+        <p:spPr/>
+        <p:txBody>
+          <a:bodyPr/>
+          <a:lstStyle/>
+          <a:p>
+            <a:fld id="{24AF9547-1ADA-7741-9454-C97103F281DA}" type="slidenum">
+              <a:rPr lang="en-US" smtClean="0"/>
+              <a:t>22</a:t>
+            </a:fld>
+            <a:endParaRPr lang="en-US"/>
+          </a:p>
+        </p:txBody>
+      </p:sp>
     </p:spTree>
     <p:extLst>
       <p:ext uri="{BB962C8B-B14F-4D97-AF65-F5344CB8AC3E}">
@@ -14608,6 +14837,35 @@
             <a:endParaRPr lang="en-US" sz="2400" b="1" dirty="0">
               <a:latin typeface="+mj-lt"/>
             </a:endParaRPr>
+          </a:p>
+        </p:txBody>
+      </p:sp>
+      <p:sp>
+        <p:nvSpPr>
+          <p:cNvPr id="3" name="Slide Number Placeholder 2">
+            <a:extLst>
+              <a:ext uri="{FF2B5EF4-FFF2-40B4-BE49-F238E27FC236}">
+                <a16:creationId xmlns:a16="http://schemas.microsoft.com/office/drawing/2014/main" id="{0AA3907D-318F-E34D-87FE-7A4B7CD86195}"/>
+              </a:ext>
+            </a:extLst>
+          </p:cNvPr>
+          <p:cNvSpPr>
+            <a:spLocks noGrp="1"/>
+          </p:cNvSpPr>
+          <p:nvPr>
+            <p:ph type="sldNum" sz="quarter" idx="12"/>
+          </p:nvPr>
+        </p:nvSpPr>
+        <p:spPr/>
+        <p:txBody>
+          <a:bodyPr/>
+          <a:lstStyle/>
+          <a:p>
+            <a:fld id="{24AF9547-1ADA-7741-9454-C97103F281DA}" type="slidenum">
+              <a:rPr lang="en-US" smtClean="0"/>
+              <a:t>23</a:t>
+            </a:fld>
+            <a:endParaRPr lang="en-US"/>
           </a:p>
         </p:txBody>
       </p:sp>
@@ -15416,6 +15674,35 @@
           </a:p>
         </p:txBody>
       </p:sp>
+      <p:sp>
+        <p:nvSpPr>
+          <p:cNvPr id="5" name="Slide Number Placeholder 4">
+            <a:extLst>
+              <a:ext uri="{FF2B5EF4-FFF2-40B4-BE49-F238E27FC236}">
+                <a16:creationId xmlns:a16="http://schemas.microsoft.com/office/drawing/2014/main" id="{04E91D2E-D823-CF40-B14C-FF7B903FC9B6}"/>
+              </a:ext>
+            </a:extLst>
+          </p:cNvPr>
+          <p:cNvSpPr>
+            <a:spLocks noGrp="1"/>
+          </p:cNvSpPr>
+          <p:nvPr>
+            <p:ph type="sldNum" sz="quarter" idx="12"/>
+          </p:nvPr>
+        </p:nvSpPr>
+        <p:spPr/>
+        <p:txBody>
+          <a:bodyPr/>
+          <a:lstStyle/>
+          <a:p>
+            <a:fld id="{24AF9547-1ADA-7741-9454-C97103F281DA}" type="slidenum">
+              <a:rPr lang="en-US" smtClean="0"/>
+              <a:t>24</a:t>
+            </a:fld>
+            <a:endParaRPr lang="en-US"/>
+          </a:p>
+        </p:txBody>
+      </p:sp>
     </p:spTree>
     <p:extLst>
       <p:ext uri="{BB962C8B-B14F-4D97-AF65-F5344CB8AC3E}">
@@ -16233,6 +16520,35 @@
           </a:p>
         </p:txBody>
       </p:sp>
+      <p:sp>
+        <p:nvSpPr>
+          <p:cNvPr id="2" name="Slide Number Placeholder 1">
+            <a:extLst>
+              <a:ext uri="{FF2B5EF4-FFF2-40B4-BE49-F238E27FC236}">
+                <a16:creationId xmlns:a16="http://schemas.microsoft.com/office/drawing/2014/main" id="{7BBAF466-DADD-FB49-944A-379EBB107480}"/>
+              </a:ext>
+            </a:extLst>
+          </p:cNvPr>
+          <p:cNvSpPr>
+            <a:spLocks noGrp="1"/>
+          </p:cNvSpPr>
+          <p:nvPr>
+            <p:ph type="sldNum" sz="quarter" idx="12"/>
+          </p:nvPr>
+        </p:nvSpPr>
+        <p:spPr/>
+        <p:txBody>
+          <a:bodyPr/>
+          <a:lstStyle/>
+          <a:p>
+            <a:fld id="{24AF9547-1ADA-7741-9454-C97103F281DA}" type="slidenum">
+              <a:rPr lang="en-US" smtClean="0"/>
+              <a:t>25</a:t>
+            </a:fld>
+            <a:endParaRPr lang="en-US"/>
+          </a:p>
+        </p:txBody>
+      </p:sp>
     </p:spTree>
     <p:extLst>
       <p:ext uri="{BB962C8B-B14F-4D97-AF65-F5344CB8AC3E}">
@@ -17008,6 +17324,35 @@
           </a:p>
         </p:txBody>
       </p:sp>
+      <p:sp>
+        <p:nvSpPr>
+          <p:cNvPr id="2" name="Slide Number Placeholder 1">
+            <a:extLst>
+              <a:ext uri="{FF2B5EF4-FFF2-40B4-BE49-F238E27FC236}">
+                <a16:creationId xmlns:a16="http://schemas.microsoft.com/office/drawing/2014/main" id="{5BDE68E6-7F2E-A84A-A776-B5EBBFA00228}"/>
+              </a:ext>
+            </a:extLst>
+          </p:cNvPr>
+          <p:cNvSpPr>
+            <a:spLocks noGrp="1"/>
+          </p:cNvSpPr>
+          <p:nvPr>
+            <p:ph type="sldNum" sz="quarter" idx="12"/>
+          </p:nvPr>
+        </p:nvSpPr>
+        <p:spPr/>
+        <p:txBody>
+          <a:bodyPr/>
+          <a:lstStyle/>
+          <a:p>
+            <a:fld id="{24AF9547-1ADA-7741-9454-C97103F281DA}" type="slidenum">
+              <a:rPr lang="en-US" smtClean="0"/>
+              <a:t>26</a:t>
+            </a:fld>
+            <a:endParaRPr lang="en-US"/>
+          </a:p>
+        </p:txBody>
+      </p:sp>
     </p:spTree>
     <p:extLst>
       <p:ext uri="{BB962C8B-B14F-4D97-AF65-F5344CB8AC3E}">
@@ -17718,6 +18063,35 @@
           </a:prstGeom>
         </p:spPr>
       </p:pic>
+      <p:sp>
+        <p:nvSpPr>
+          <p:cNvPr id="4" name="Slide Number Placeholder 3">
+            <a:extLst>
+              <a:ext uri="{FF2B5EF4-FFF2-40B4-BE49-F238E27FC236}">
+                <a16:creationId xmlns:a16="http://schemas.microsoft.com/office/drawing/2014/main" id="{71F3E150-FDDA-8F46-B124-3BA7C7D62A9C}"/>
+              </a:ext>
+            </a:extLst>
+          </p:cNvPr>
+          <p:cNvSpPr>
+            <a:spLocks noGrp="1"/>
+          </p:cNvSpPr>
+          <p:nvPr>
+            <p:ph type="sldNum" sz="quarter" idx="12"/>
+          </p:nvPr>
+        </p:nvSpPr>
+        <p:spPr/>
+        <p:txBody>
+          <a:bodyPr/>
+          <a:lstStyle/>
+          <a:p>
+            <a:fld id="{24AF9547-1ADA-7741-9454-C97103F281DA}" type="slidenum">
+              <a:rPr lang="en-US" smtClean="0"/>
+              <a:t>28</a:t>
+            </a:fld>
+            <a:endParaRPr lang="en-US"/>
+          </a:p>
+        </p:txBody>
+      </p:sp>
     </p:spTree>
     <p:extLst>
       <p:ext uri="{BB962C8B-B14F-4D97-AF65-F5344CB8AC3E}">
@@ -24051,6 +24425,35 @@
           </a:p>
         </p:txBody>
       </p:sp>
+      <p:sp>
+        <p:nvSpPr>
+          <p:cNvPr id="2" name="Slide Number Placeholder 1">
+            <a:extLst>
+              <a:ext uri="{FF2B5EF4-FFF2-40B4-BE49-F238E27FC236}">
+                <a16:creationId xmlns:a16="http://schemas.microsoft.com/office/drawing/2014/main" id="{5CADDBF1-BFB5-2B44-AE63-FFAF2488FD81}"/>
+              </a:ext>
+            </a:extLst>
+          </p:cNvPr>
+          <p:cNvSpPr>
+            <a:spLocks noGrp="1"/>
+          </p:cNvSpPr>
+          <p:nvPr>
+            <p:ph type="sldNum" sz="quarter" idx="12"/>
+          </p:nvPr>
+        </p:nvSpPr>
+        <p:spPr/>
+        <p:txBody>
+          <a:bodyPr/>
+          <a:lstStyle/>
+          <a:p>
+            <a:fld id="{24AF9547-1ADA-7741-9454-C97103F281DA}" type="slidenum">
+              <a:rPr lang="en-US" smtClean="0"/>
+              <a:t>34</a:t>
+            </a:fld>
+            <a:endParaRPr lang="en-US"/>
+          </a:p>
+        </p:txBody>
+      </p:sp>
     </p:spTree>
     <p:extLst>
       <p:ext uri="{BB962C8B-B14F-4D97-AF65-F5344CB8AC3E}">
@@ -25288,15 +25691,132 @@
                                   </p:childTnLst>
                                 </p:cTn>
                               </p:par>
+                            </p:childTnLst>
+                          </p:cTn>
+                        </p:par>
+                      </p:childTnLst>
+                    </p:cTn>
+                  </p:par>
+                  <p:par>
+                    <p:cTn id="7" fill="hold">
+                      <p:stCondLst>
+                        <p:cond delay="indefinite"/>
+                      </p:stCondLst>
+                      <p:childTnLst>
+                        <p:par>
+                          <p:cTn id="8" fill="hold">
+                            <p:stCondLst>
+                              <p:cond delay="0"/>
+                            </p:stCondLst>
+                            <p:childTnLst>
                               <p:par>
-                                <p:cTn id="7" presetID="1" presetClass="entr" presetSubtype="0" fill="hold" grpId="0" nodeType="withEffect">
+                                <p:cTn id="9" presetID="1" presetClass="entr" presetSubtype="0" fill="hold" nodeType="clickEffect">
                                   <p:stCondLst>
                                     <p:cond delay="0"/>
                                   </p:stCondLst>
                                   <p:childTnLst>
                                     <p:set>
                                       <p:cBhvr>
-                                        <p:cTn id="8" dur="1" fill="hold">
+                                        <p:cTn id="10" dur="1" fill="hold">
+                                          <p:stCondLst>
+                                            <p:cond delay="0"/>
+                                          </p:stCondLst>
+                                        </p:cTn>
+                                        <p:tgtEl>
+                                          <p:spTgt spid="9"/>
+                                        </p:tgtEl>
+                                        <p:attrNameLst>
+                                          <p:attrName>style.visibility</p:attrName>
+                                        </p:attrNameLst>
+                                      </p:cBhvr>
+                                      <p:to>
+                                        <p:strVal val="visible"/>
+                                      </p:to>
+                                    </p:set>
+                                  </p:childTnLst>
+                                </p:cTn>
+                              </p:par>
+                            </p:childTnLst>
+                          </p:cTn>
+                        </p:par>
+                      </p:childTnLst>
+                    </p:cTn>
+                  </p:par>
+                  <p:par>
+                    <p:cTn id="11" fill="hold">
+                      <p:stCondLst>
+                        <p:cond delay="indefinite"/>
+                      </p:stCondLst>
+                      <p:childTnLst>
+                        <p:par>
+                          <p:cTn id="12" fill="hold">
+                            <p:stCondLst>
+                              <p:cond delay="0"/>
+                            </p:stCondLst>
+                            <p:childTnLst>
+                              <p:par>
+                                <p:cTn id="13" presetID="1" presetClass="entr" presetSubtype="0" fill="hold" grpId="0" nodeType="clickEffect">
+                                  <p:stCondLst>
+                                    <p:cond delay="0"/>
+                                  </p:stCondLst>
+                                  <p:childTnLst>
+                                    <p:set>
+                                      <p:cBhvr>
+                                        <p:cTn id="14" dur="1" fill="hold">
+                                          <p:stCondLst>
+                                            <p:cond delay="0"/>
+                                          </p:stCondLst>
+                                        </p:cTn>
+                                        <p:tgtEl>
+                                          <p:spTgt spid="45"/>
+                                        </p:tgtEl>
+                                        <p:attrNameLst>
+                                          <p:attrName>style.visibility</p:attrName>
+                                        </p:attrNameLst>
+                                      </p:cBhvr>
+                                      <p:to>
+                                        <p:strVal val="visible"/>
+                                      </p:to>
+                                    </p:set>
+                                  </p:childTnLst>
+                                </p:cTn>
+                              </p:par>
+                              <p:par>
+                                <p:cTn id="15" presetID="1" presetClass="entr" presetSubtype="0" fill="hold" grpId="0" nodeType="withEffect">
+                                  <p:stCondLst>
+                                    <p:cond delay="0"/>
+                                  </p:stCondLst>
+                                  <p:childTnLst>
+                                    <p:set>
+                                      <p:cBhvr>
+                                        <p:cTn id="16" dur="1" fill="hold">
+                                          <p:stCondLst>
+                                            <p:cond delay="0"/>
+                                          </p:stCondLst>
+                                        </p:cTn>
+                                        <p:tgtEl>
+                                          <p:spTgt spid="17"/>
+                                        </p:tgtEl>
+                                        <p:attrNameLst>
+                                          <p:attrName>style.visibility</p:attrName>
+                                        </p:attrNameLst>
+                                      </p:cBhvr>
+                                      <p:to>
+                                        <p:strVal val="visible"/>
+                                      </p:to>
+                                    </p:set>
+                                  </p:childTnLst>
+                                </p:cTn>
+                              </p:par>
+                              <p:par>
+                                <p:cTn id="17" presetID="1" presetClass="entr" presetSubtype="0" fill="hold" grpId="0" nodeType="withEffect">
+                                  <p:stCondLst>
+                                    <p:cond delay="0"/>
+                                  </p:stCondLst>
+                                  <p:childTnLst>
+                                    <p:set>
+                                      <p:cBhvr>
+                                        <p:cTn id="18" dur="1" fill="hold">
                                           <p:stCondLst>
                                             <p:cond delay="0"/>
                                           </p:stCondLst>
@@ -25344,6 +25864,8 @@
     </p:tnLst>
     <p:bldLst>
       <p:bldP spid="47" grpId="0" animBg="1"/>
+      <p:bldP spid="17" grpId="0" animBg="1"/>
+      <p:bldP spid="45" grpId="0" animBg="1"/>
     </p:bldLst>
   </p:timing>
 </p:sld>
@@ -28138,6 +28660,35 @@
           </a:p>
         </p:txBody>
       </p:sp>
+      <p:sp>
+        <p:nvSpPr>
+          <p:cNvPr id="4" name="Slide Number Placeholder 3">
+            <a:extLst>
+              <a:ext uri="{FF2B5EF4-FFF2-40B4-BE49-F238E27FC236}">
+                <a16:creationId xmlns:a16="http://schemas.microsoft.com/office/drawing/2014/main" id="{9314E7C6-95FF-BC40-8C44-59B454F3AE1D}"/>
+              </a:ext>
+            </a:extLst>
+          </p:cNvPr>
+          <p:cNvSpPr>
+            <a:spLocks noGrp="1"/>
+          </p:cNvSpPr>
+          <p:nvPr>
+            <p:ph type="sldNum" sz="quarter" idx="12"/>
+          </p:nvPr>
+        </p:nvSpPr>
+        <p:spPr/>
+        <p:txBody>
+          <a:bodyPr/>
+          <a:lstStyle/>
+          <a:p>
+            <a:fld id="{24AF9547-1ADA-7741-9454-C97103F281DA}" type="slidenum">
+              <a:rPr lang="en-US" smtClean="0"/>
+              <a:t>4</a:t>
+            </a:fld>
+            <a:endParaRPr lang="en-US"/>
+          </a:p>
+        </p:txBody>
+      </p:sp>
     </p:spTree>
     <p:extLst>
       <p:ext uri="{BB962C8B-B14F-4D97-AF65-F5344CB8AC3E}">
@@ -28572,6 +29123,35 @@
               </a:rPr>
               <a:t>(but these conflicts can occur without causing anomalies!)</a:t>
             </a:r>
+          </a:p>
+        </p:txBody>
+      </p:sp>
+      <p:sp>
+        <p:nvSpPr>
+          <p:cNvPr id="5" name="Slide Number Placeholder 4">
+            <a:extLst>
+              <a:ext uri="{FF2B5EF4-FFF2-40B4-BE49-F238E27FC236}">
+                <a16:creationId xmlns:a16="http://schemas.microsoft.com/office/drawing/2014/main" id="{EB92ACBD-5F45-0340-B6CC-9621B306668B}"/>
+              </a:ext>
+            </a:extLst>
+          </p:cNvPr>
+          <p:cNvSpPr>
+            <a:spLocks noGrp="1"/>
+          </p:cNvSpPr>
+          <p:nvPr>
+            <p:ph type="sldNum" sz="quarter" idx="12"/>
+          </p:nvPr>
+        </p:nvSpPr>
+        <p:spPr/>
+        <p:txBody>
+          <a:bodyPr/>
+          <a:lstStyle/>
+          <a:p>
+            <a:fld id="{24AF9547-1ADA-7741-9454-C97103F281DA}" type="slidenum">
+              <a:rPr lang="en-US" smtClean="0"/>
+              <a:t>40</a:t>
+            </a:fld>
+            <a:endParaRPr lang="en-US"/>
           </a:p>
         </p:txBody>
       </p:sp>
@@ -29635,6 +30215,35 @@
           </a:p>
         </p:txBody>
       </p:sp>
+      <p:sp>
+        <p:nvSpPr>
+          <p:cNvPr id="3" name="Slide Number Placeholder 2">
+            <a:extLst>
+              <a:ext uri="{FF2B5EF4-FFF2-40B4-BE49-F238E27FC236}">
+                <a16:creationId xmlns:a16="http://schemas.microsoft.com/office/drawing/2014/main" id="{81A6AB39-E4AF-404F-B7D7-C91803706C13}"/>
+              </a:ext>
+            </a:extLst>
+          </p:cNvPr>
+          <p:cNvSpPr>
+            <a:spLocks noGrp="1"/>
+          </p:cNvSpPr>
+          <p:nvPr>
+            <p:ph type="sldNum" sz="quarter" idx="12"/>
+          </p:nvPr>
+        </p:nvSpPr>
+        <p:spPr/>
+        <p:txBody>
+          <a:bodyPr/>
+          <a:lstStyle/>
+          <a:p>
+            <a:fld id="{24AF9547-1ADA-7741-9454-C97103F281DA}" type="slidenum">
+              <a:rPr lang="en-US" smtClean="0"/>
+              <a:t>41</a:t>
+            </a:fld>
+            <a:endParaRPr lang="en-US"/>
+          </a:p>
+        </p:txBody>
+      </p:sp>
     </p:spTree>
     <p:extLst>
       <p:ext uri="{BB962C8B-B14F-4D97-AF65-F5344CB8AC3E}">
@@ -30639,6 +31248,35 @@
           </a:p>
         </p:txBody>
       </p:sp>
+      <p:sp>
+        <p:nvSpPr>
+          <p:cNvPr id="5" name="Slide Number Placeholder 4">
+            <a:extLst>
+              <a:ext uri="{FF2B5EF4-FFF2-40B4-BE49-F238E27FC236}">
+                <a16:creationId xmlns:a16="http://schemas.microsoft.com/office/drawing/2014/main" id="{8C0F99DE-8CB0-7C4B-A81A-7FAFF3BA8DC2}"/>
+              </a:ext>
+            </a:extLst>
+          </p:cNvPr>
+          <p:cNvSpPr>
+            <a:spLocks noGrp="1"/>
+          </p:cNvSpPr>
+          <p:nvPr>
+            <p:ph type="sldNum" sz="quarter" idx="12"/>
+          </p:nvPr>
+        </p:nvSpPr>
+        <p:spPr/>
+        <p:txBody>
+          <a:bodyPr/>
+          <a:lstStyle/>
+          <a:p>
+            <a:fld id="{24AF9547-1ADA-7741-9454-C97103F281DA}" type="slidenum">
+              <a:rPr lang="en-US" smtClean="0"/>
+              <a:t>42</a:t>
+            </a:fld>
+            <a:endParaRPr lang="en-US"/>
+          </a:p>
+        </p:txBody>
+      </p:sp>
     </p:spTree>
     <p:extLst>
       <p:ext uri="{BB962C8B-B14F-4D97-AF65-F5344CB8AC3E}">
@@ -31746,6 +32384,35 @@
           </a:p>
         </p:txBody>
       </p:sp>
+      <p:sp>
+        <p:nvSpPr>
+          <p:cNvPr id="2" name="Slide Number Placeholder 1">
+            <a:extLst>
+              <a:ext uri="{FF2B5EF4-FFF2-40B4-BE49-F238E27FC236}">
+                <a16:creationId xmlns:a16="http://schemas.microsoft.com/office/drawing/2014/main" id="{0D0F593C-C4A6-594F-A0F2-3D122F7BF0A5}"/>
+              </a:ext>
+            </a:extLst>
+          </p:cNvPr>
+          <p:cNvSpPr>
+            <a:spLocks noGrp="1"/>
+          </p:cNvSpPr>
+          <p:nvPr>
+            <p:ph type="sldNum" sz="quarter" idx="12"/>
+          </p:nvPr>
+        </p:nvSpPr>
+        <p:spPr/>
+        <p:txBody>
+          <a:bodyPr/>
+          <a:lstStyle/>
+          <a:p>
+            <a:fld id="{24AF9547-1ADA-7741-9454-C97103F281DA}" type="slidenum">
+              <a:rPr lang="en-US" smtClean="0"/>
+              <a:t>43</a:t>
+            </a:fld>
+            <a:endParaRPr lang="en-US"/>
+          </a:p>
+        </p:txBody>
+      </p:sp>
     </p:spTree>
     <p:extLst>
       <p:ext uri="{BB962C8B-B14F-4D97-AF65-F5344CB8AC3E}">
@@ -33627,6 +34294,35 @@
           </a:p>
         </p:txBody>
       </p:sp>
+      <p:sp>
+        <p:nvSpPr>
+          <p:cNvPr id="2" name="Slide Number Placeholder 1">
+            <a:extLst>
+              <a:ext uri="{FF2B5EF4-FFF2-40B4-BE49-F238E27FC236}">
+                <a16:creationId xmlns:a16="http://schemas.microsoft.com/office/drawing/2014/main" id="{B7D1DB90-038A-A54F-9C2A-033B047484AA}"/>
+              </a:ext>
+            </a:extLst>
+          </p:cNvPr>
+          <p:cNvSpPr>
+            <a:spLocks noGrp="1"/>
+          </p:cNvSpPr>
+          <p:nvPr>
+            <p:ph type="sldNum" sz="quarter" idx="12"/>
+          </p:nvPr>
+        </p:nvSpPr>
+        <p:spPr/>
+        <p:txBody>
+          <a:bodyPr/>
+          <a:lstStyle/>
+          <a:p>
+            <a:fld id="{24AF9547-1ADA-7741-9454-C97103F281DA}" type="slidenum">
+              <a:rPr lang="en-US" smtClean="0"/>
+              <a:t>6</a:t>
+            </a:fld>
+            <a:endParaRPr lang="en-US"/>
+          </a:p>
+        </p:txBody>
+      </p:sp>
     </p:spTree>
     <p:extLst>
       <p:ext uri="{BB962C8B-B14F-4D97-AF65-F5344CB8AC3E}">
@@ -34018,6 +34714,35 @@
               </a:rPr>
               <a:t>; keep log to be able to “roll-back” TXNs</a:t>
             </a:r>
+          </a:p>
+        </p:txBody>
+      </p:sp>
+      <p:sp>
+        <p:nvSpPr>
+          <p:cNvPr id="3" name="Slide Number Placeholder 2">
+            <a:extLst>
+              <a:ext uri="{FF2B5EF4-FFF2-40B4-BE49-F238E27FC236}">
+                <a16:creationId xmlns:a16="http://schemas.microsoft.com/office/drawing/2014/main" id="{9E42D3F4-1651-6942-AB3A-15CDF926939F}"/>
+              </a:ext>
+            </a:extLst>
+          </p:cNvPr>
+          <p:cNvSpPr>
+            <a:spLocks noGrp="1"/>
+          </p:cNvSpPr>
+          <p:nvPr>
+            <p:ph type="sldNum" sz="quarter" idx="12"/>
+          </p:nvPr>
+        </p:nvSpPr>
+        <p:spPr/>
+        <p:txBody>
+          <a:bodyPr/>
+          <a:lstStyle/>
+          <a:p>
+            <a:fld id="{24AF9547-1ADA-7741-9454-C97103F281DA}" type="slidenum">
+              <a:rPr lang="en-US" smtClean="0"/>
+              <a:t>7</a:t>
+            </a:fld>
+            <a:endParaRPr lang="en-US"/>
           </a:p>
         </p:txBody>
       </p:sp>

--- a/Lectures/lec11-transaction.pptx
+++ b/Lectures/lec11-transaction.pptx
@@ -5,7 +5,7 @@
     <p:sldMasterId id="2147483660" r:id="rId1"/>
   </p:sldMasterIdLst>
   <p:notesMasterIdLst>
-    <p:notesMasterId r:id="rId60"/>
+    <p:notesMasterId r:id="rId61"/>
   </p:notesMasterIdLst>
   <p:sldIdLst>
     <p:sldId id="256" r:id="rId2"/>
@@ -56,16 +56,17 @@
     <p:sldId id="1158" r:id="rId47"/>
     <p:sldId id="1159" r:id="rId48"/>
     <p:sldId id="1160" r:id="rId49"/>
-    <p:sldId id="1162" r:id="rId50"/>
-    <p:sldId id="1163" r:id="rId51"/>
-    <p:sldId id="1164" r:id="rId52"/>
-    <p:sldId id="1165" r:id="rId53"/>
-    <p:sldId id="1166" r:id="rId54"/>
-    <p:sldId id="1167" r:id="rId55"/>
-    <p:sldId id="1168" r:id="rId56"/>
-    <p:sldId id="1172" r:id="rId57"/>
-    <p:sldId id="1170" r:id="rId58"/>
-    <p:sldId id="328" r:id="rId59"/>
+    <p:sldId id="1173" r:id="rId50"/>
+    <p:sldId id="1162" r:id="rId51"/>
+    <p:sldId id="1163" r:id="rId52"/>
+    <p:sldId id="1164" r:id="rId53"/>
+    <p:sldId id="1165" r:id="rId54"/>
+    <p:sldId id="1166" r:id="rId55"/>
+    <p:sldId id="1167" r:id="rId56"/>
+    <p:sldId id="1168" r:id="rId57"/>
+    <p:sldId id="1172" r:id="rId58"/>
+    <p:sldId id="1170" r:id="rId59"/>
+    <p:sldId id="328" r:id="rId60"/>
   </p:sldIdLst>
   <p:sldSz cx="9144000" cy="6858000" type="screen4x3"/>
   <p:notesSz cx="6858000" cy="9144000"/>
@@ -254,7 +255,7 @@
           <a:p>
             <a:fld id="{2736D85D-8AD2-3E48-9003-FE0FC165286A}" type="datetimeFigureOut">
               <a:rPr lang="en-US" smtClean="0"/>
-              <a:t>11/22/18</a:t>
+              <a:t>12/11/18</a:t>
             </a:fld>
             <a:endParaRPr lang="en-US"/>
           </a:p>
@@ -1558,7 +1559,7 @@
           <a:p>
             <a:fld id="{F8217A12-A6ED-4C4A-8400-036634305785}" type="slidenum">
               <a:rPr lang="en-US" smtClean="0"/>
-              <a:t>57</a:t>
+              <a:t>58</a:t>
             </a:fld>
             <a:endParaRPr lang="en-US"/>
           </a:p>
@@ -1642,7 +1643,7 @@
           <a:p>
             <a:fld id="{F8217A12-A6ED-4C4A-8400-036634305785}" type="slidenum">
               <a:rPr lang="en-US" smtClean="0"/>
-              <a:t>58</a:t>
+              <a:t>59</a:t>
             </a:fld>
             <a:endParaRPr lang="en-US"/>
           </a:p>
@@ -2304,7 +2305,7 @@
           <a:p>
             <a:fld id="{0D4DE428-BBF4-1143-A4EA-528F677E396D}" type="datetime1">
               <a:rPr lang="en-CA" smtClean="0"/>
-              <a:t>2018-11-22</a:t>
+              <a:t>2018-12-11</a:t>
             </a:fld>
             <a:endParaRPr lang="en-US"/>
           </a:p>
@@ -2477,7 +2478,7 @@
           <a:p>
             <a:fld id="{6C1E0F70-3CE0-E740-B1C9-DCF73F9043F3}" type="datetime1">
               <a:rPr lang="en-CA" smtClean="0"/>
-              <a:t>2018-11-22</a:t>
+              <a:t>2018-12-11</a:t>
             </a:fld>
             <a:endParaRPr lang="en-US"/>
           </a:p>
@@ -2660,7 +2661,7 @@
           <a:p>
             <a:fld id="{4C5E3B8F-5FFC-7C48-940E-DACC7C03B716}" type="datetime1">
               <a:rPr lang="en-CA" smtClean="0"/>
-              <a:t>2018-11-22</a:t>
+              <a:t>2018-12-11</a:t>
             </a:fld>
             <a:endParaRPr lang="en-US"/>
           </a:p>
@@ -2837,7 +2838,7 @@
           <a:p>
             <a:fld id="{9EC18A82-6735-E04B-8622-95F867B710E2}" type="datetime1">
               <a:rPr lang="en-CA" smtClean="0"/>
-              <a:t>2018-11-22</a:t>
+              <a:t>2018-12-11</a:t>
             </a:fld>
             <a:endParaRPr lang="en-US"/>
           </a:p>
@@ -3084,7 +3085,7 @@
           <a:p>
             <a:fld id="{A7446DEB-886E-094A-A2DA-759A3C54369E}" type="datetime1">
               <a:rPr lang="en-CA" smtClean="0"/>
-              <a:t>2018-11-22</a:t>
+              <a:t>2018-12-11</a:t>
             </a:fld>
             <a:endParaRPr lang="en-US"/>
           </a:p>
@@ -3324,7 +3325,7 @@
           <a:p>
             <a:fld id="{B2D545F9-7F80-474A-B173-990E06F99A2F}" type="datetime1">
               <a:rPr lang="en-CA" smtClean="0"/>
-              <a:t>2018-11-22</a:t>
+              <a:t>2018-12-11</a:t>
             </a:fld>
             <a:endParaRPr lang="en-US"/>
           </a:p>
@@ -3694,7 +3695,7 @@
           <a:p>
             <a:fld id="{E46B5771-0483-6F43-8804-FA069B863910}" type="datetime1">
               <a:rPr lang="en-CA" smtClean="0"/>
-              <a:t>2018-11-22</a:t>
+              <a:t>2018-12-11</a:t>
             </a:fld>
             <a:endParaRPr lang="en-US"/>
           </a:p>
@@ -3815,7 +3816,7 @@
           <a:p>
             <a:fld id="{D58F98B2-8C0B-B947-8441-C42D8CD342F4}" type="datetime1">
               <a:rPr lang="en-CA" smtClean="0"/>
-              <a:t>2018-11-22</a:t>
+              <a:t>2018-12-11</a:t>
             </a:fld>
             <a:endParaRPr lang="en-US"/>
           </a:p>
@@ -3913,7 +3914,7 @@
           <a:p>
             <a:fld id="{ED814837-9188-2749-BC24-68A8C4F19383}" type="datetime1">
               <a:rPr lang="en-CA" smtClean="0"/>
-              <a:t>2018-11-22</a:t>
+              <a:t>2018-12-11</a:t>
             </a:fld>
             <a:endParaRPr lang="en-US"/>
           </a:p>
@@ -4193,7 +4194,7 @@
           <a:p>
             <a:fld id="{92078DF9-6355-C848-85B0-D451FD567573}" type="datetime1">
               <a:rPr lang="en-CA" smtClean="0"/>
-              <a:t>2018-11-22</a:t>
+              <a:t>2018-12-11</a:t>
             </a:fld>
             <a:endParaRPr lang="en-US"/>
           </a:p>
@@ -4453,7 +4454,7 @@
           <a:p>
             <a:fld id="{2BA86EF4-3555-B74F-9D68-746998D17211}" type="datetime1">
               <a:rPr lang="en-CA" smtClean="0"/>
-              <a:t>2018-11-22</a:t>
+              <a:t>2018-12-11</a:t>
             </a:fld>
             <a:endParaRPr lang="en-US"/>
           </a:p>
@@ -4669,7 +4670,7 @@
           <a:p>
             <a:fld id="{9CDAA7C2-EA23-BD44-8D9B-221132F97325}" type="datetime1">
               <a:rPr lang="en-CA" smtClean="0"/>
-              <a:t>2018-11-22</a:t>
+              <a:t>2018-12-11</a:t>
             </a:fld>
             <a:endParaRPr lang="en-US"/>
           </a:p>
@@ -5083,7 +5084,7 @@
           <p:cNvPr id="2" name="Title 1">
             <a:extLst>
               <a:ext uri="{FF2B5EF4-FFF2-40B4-BE49-F238E27FC236}">
-                <a16:creationId xmlns:a16="http://schemas.microsoft.com/office/drawing/2014/main" id="{0E956A24-C190-3747-B8CD-1F8673245EDF}"/>
+                <a16:creationId xmlns:a16="http://schemas.microsoft.com/office/drawing/2014/main" xmlns="" id="{0E956A24-C190-3747-B8CD-1F8673245EDF}"/>
               </a:ext>
             </a:extLst>
           </p:cNvPr>
@@ -5145,7 +5146,7 @@
           <p:cNvPr id="3" name="Subtitle 2">
             <a:extLst>
               <a:ext uri="{FF2B5EF4-FFF2-40B4-BE49-F238E27FC236}">
-                <a16:creationId xmlns:a16="http://schemas.microsoft.com/office/drawing/2014/main" id="{09A3EF78-0BCF-F24C-835B-DDDA774EA0B6}"/>
+                <a16:creationId xmlns:a16="http://schemas.microsoft.com/office/drawing/2014/main" xmlns="" id="{09A3EF78-0BCF-F24C-835B-DDDA774EA0B6}"/>
               </a:ext>
             </a:extLst>
           </p:cNvPr>
@@ -5198,7 +5199,7 @@
           <p:cNvPr id="4" name="Slide Number Placeholder 3">
             <a:extLst>
               <a:ext uri="{FF2B5EF4-FFF2-40B4-BE49-F238E27FC236}">
-                <a16:creationId xmlns:a16="http://schemas.microsoft.com/office/drawing/2014/main" id="{8CF9297D-5A48-924F-A10F-D761D37F79D0}"/>
+                <a16:creationId xmlns:a16="http://schemas.microsoft.com/office/drawing/2014/main" xmlns="" id="{8CF9297D-5A48-924F-A10F-D761D37F79D0}"/>
               </a:ext>
             </a:extLst>
           </p:cNvPr>
@@ -5833,6 +5834,14 @@
               </a:rPr>
               <a:t>Employee</a:t>
             </a:r>
+            <a:r>
+              <a:rPr lang="en-US" dirty="0">
+                <a:latin typeface="Menlo" charset="0"/>
+                <a:ea typeface="Menlo" charset="0"/>
+                <a:cs typeface="Menlo" charset="0"/>
+              </a:rPr>
+              <a:t/>
+            </a:r>
             <a:br>
               <a:rPr lang="en-US" dirty="0">
                 <a:latin typeface="Menlo" charset="0"/>
@@ -5931,6 +5940,14 @@
               </a:rPr>
               <a:t>1000</a:t>
             </a:r>
+            <a:r>
+              <a:rPr lang="en-US" dirty="0">
+                <a:latin typeface="Menlo" charset="0"/>
+                <a:ea typeface="Menlo" charset="0"/>
+                <a:cs typeface="Menlo" charset="0"/>
+              </a:rPr>
+              <a:t/>
+            </a:r>
             <a:br>
               <a:rPr lang="en-US" dirty="0">
                 <a:latin typeface="Menlo" charset="0"/>
@@ -5953,6 +5970,14 @@
                 <a:cs typeface="Menlo" charset="0"/>
               </a:rPr>
             </a:br>
+            <a:r>
+              <a:rPr lang="en-US" dirty="0">
+                <a:latin typeface="Menlo" charset="0"/>
+                <a:ea typeface="Menlo" charset="0"/>
+                <a:cs typeface="Menlo" charset="0"/>
+              </a:rPr>
+              <a:t/>
+            </a:r>
             <a:br>
               <a:rPr lang="en-US" dirty="0">
                 <a:latin typeface="Menlo" charset="0"/>
@@ -6072,6 +6097,14 @@
                 <a:cs typeface="Menlo" charset="0"/>
               </a:rPr>
               <a:t>2</a:t>
+            </a:r>
+            <a:r>
+              <a:rPr lang="en-US" dirty="0">
+                <a:latin typeface="Menlo" charset="0"/>
+                <a:ea typeface="Menlo" charset="0"/>
+                <a:cs typeface="Menlo" charset="0"/>
+              </a:rPr>
+              <a:t/>
             </a:r>
             <a:br>
               <a:rPr lang="en-US" dirty="0">
@@ -6184,6 +6217,12 @@
                 <a:latin typeface="+mj-lt"/>
               </a:rPr>
               <a:t>concurrently-</a:t>
+            </a:r>
+            <a:r>
+              <a:rPr lang="en-US" sz="2100" dirty="0">
+                <a:latin typeface="+mj-lt"/>
+              </a:rPr>
+              <a:t/>
             </a:r>
             <a:br>
               <a:rPr lang="en-US" sz="2100" dirty="0">
@@ -6417,6 +6456,14 @@
               </a:rPr>
               <a:t>Employee</a:t>
             </a:r>
+            <a:r>
+              <a:rPr lang="en-US" dirty="0">
+                <a:latin typeface="Menlo" charset="0"/>
+                <a:ea typeface="Menlo" charset="0"/>
+                <a:cs typeface="Menlo" charset="0"/>
+              </a:rPr>
+              <a:t/>
+            </a:r>
             <a:br>
               <a:rPr lang="en-US" dirty="0">
                 <a:latin typeface="Menlo" charset="0"/>
@@ -6554,6 +6601,14 @@
                 <a:cs typeface="Menlo" charset="0"/>
               </a:rPr>
             </a:br>
+            <a:r>
+              <a:rPr lang="en-US" dirty="0">
+                <a:latin typeface="Menlo" charset="0"/>
+                <a:ea typeface="Menlo" charset="0"/>
+                <a:cs typeface="Menlo" charset="0"/>
+              </a:rPr>
+              <a:t/>
+            </a:r>
             <a:br>
               <a:rPr lang="en-US" dirty="0">
                 <a:latin typeface="Menlo" charset="0"/>
@@ -6598,6 +6653,14 @@
                 <a:cs typeface="Menlo" charset="0"/>
               </a:rPr>
               <a:t>Employee </a:t>
+            </a:r>
+            <a:r>
+              <a:rPr lang="en-US" dirty="0">
+                <a:latin typeface="Menlo" charset="0"/>
+                <a:ea typeface="Menlo" charset="0"/>
+                <a:cs typeface="Menlo" charset="0"/>
+              </a:rPr>
+              <a:t/>
             </a:r>
             <a:br>
               <a:rPr lang="en-US" dirty="0">
@@ -12397,7 +12460,7 @@
           <p:cNvPr id="2" name="Title 1">
             <a:extLst>
               <a:ext uri="{FF2B5EF4-FFF2-40B4-BE49-F238E27FC236}">
-                <a16:creationId xmlns:a16="http://schemas.microsoft.com/office/drawing/2014/main" id="{BE6C9A7C-A761-734A-9D54-0C398F931FA2}"/>
+                <a16:creationId xmlns:a16="http://schemas.microsoft.com/office/drawing/2014/main" xmlns="" id="{BE6C9A7C-A761-734A-9D54-0C398F931FA2}"/>
               </a:ext>
             </a:extLst>
           </p:cNvPr>
@@ -12442,7 +12505,7 @@
           <p:cNvPr id="3" name="Content Placeholder 2">
             <a:extLst>
               <a:ext uri="{FF2B5EF4-FFF2-40B4-BE49-F238E27FC236}">
-                <a16:creationId xmlns:a16="http://schemas.microsoft.com/office/drawing/2014/main" id="{E63124A1-7408-3043-A7B3-771D23405C25}"/>
+                <a16:creationId xmlns:a16="http://schemas.microsoft.com/office/drawing/2014/main" xmlns="" id="{E63124A1-7408-3043-A7B3-771D23405C25}"/>
               </a:ext>
             </a:extLst>
           </p:cNvPr>
@@ -12611,7 +12674,7 @@
           <p:cNvPr id="4" name="Slide Number Placeholder 3">
             <a:extLst>
               <a:ext uri="{FF2B5EF4-FFF2-40B4-BE49-F238E27FC236}">
-                <a16:creationId xmlns:a16="http://schemas.microsoft.com/office/drawing/2014/main" id="{731ACF13-DC38-C848-BC25-BE76E35298D3}"/>
+                <a16:creationId xmlns:a16="http://schemas.microsoft.com/office/drawing/2014/main" xmlns="" id="{731ACF13-DC38-C848-BC25-BE76E35298D3}"/>
               </a:ext>
             </a:extLst>
           </p:cNvPr>
@@ -19762,14 +19825,14 @@
                 <a:gridCol w="695033">
                   <a:extLst>
                     <a:ext uri="{9D8B030D-6E8A-4147-A177-3AD203B41FA5}">
-                      <a16:colId xmlns:a16="http://schemas.microsoft.com/office/drawing/2014/main" val="20000"/>
+                      <a16:colId xmlns:a16="http://schemas.microsoft.com/office/drawing/2014/main" xmlns="" val="20000"/>
                     </a:ext>
                   </a:extLst>
                 </a:gridCol>
                 <a:gridCol w="695033">
                   <a:extLst>
                     <a:ext uri="{9D8B030D-6E8A-4147-A177-3AD203B41FA5}">
-                      <a16:colId xmlns:a16="http://schemas.microsoft.com/office/drawing/2014/main" val="20001"/>
+                      <a16:colId xmlns:a16="http://schemas.microsoft.com/office/drawing/2014/main" xmlns="" val="20001"/>
                     </a:ext>
                   </a:extLst>
                 </a:gridCol>
@@ -19805,7 +19868,7 @@
                 </a:tc>
                 <a:extLst>
                   <a:ext uri="{0D108BD9-81ED-4DB2-BD59-A6C34878D82A}">
-                    <a16:rowId xmlns:a16="http://schemas.microsoft.com/office/drawing/2014/main" val="10000"/>
+                    <a16:rowId xmlns:a16="http://schemas.microsoft.com/office/drawing/2014/main" xmlns="" val="10000"/>
                   </a:ext>
                 </a:extLst>
               </a:tr>
@@ -19840,7 +19903,7 @@
                 </a:tc>
                 <a:extLst>
                   <a:ext uri="{0D108BD9-81ED-4DB2-BD59-A6C34878D82A}">
-                    <a16:rowId xmlns:a16="http://schemas.microsoft.com/office/drawing/2014/main" val="10001"/>
+                    <a16:rowId xmlns:a16="http://schemas.microsoft.com/office/drawing/2014/main" xmlns="" val="10001"/>
                   </a:ext>
                 </a:extLst>
               </a:tr>
@@ -19872,14 +19935,14 @@
                 <a:gridCol w="695033">
                   <a:extLst>
                     <a:ext uri="{9D8B030D-6E8A-4147-A177-3AD203B41FA5}">
-                      <a16:colId xmlns:a16="http://schemas.microsoft.com/office/drawing/2014/main" val="20000"/>
+                      <a16:colId xmlns:a16="http://schemas.microsoft.com/office/drawing/2014/main" xmlns="" val="20000"/>
                     </a:ext>
                   </a:extLst>
                 </a:gridCol>
                 <a:gridCol w="695033">
                   <a:extLst>
                     <a:ext uri="{9D8B030D-6E8A-4147-A177-3AD203B41FA5}">
-                      <a16:colId xmlns:a16="http://schemas.microsoft.com/office/drawing/2014/main" val="20001"/>
+                      <a16:colId xmlns:a16="http://schemas.microsoft.com/office/drawing/2014/main" xmlns="" val="20001"/>
                     </a:ext>
                   </a:extLst>
                 </a:gridCol>
@@ -19913,7 +19976,7 @@
                 </a:tc>
                 <a:extLst>
                   <a:ext uri="{0D108BD9-81ED-4DB2-BD59-A6C34878D82A}">
-                    <a16:rowId xmlns:a16="http://schemas.microsoft.com/office/drawing/2014/main" val="10000"/>
+                    <a16:rowId xmlns:a16="http://schemas.microsoft.com/office/drawing/2014/main" xmlns="" val="10000"/>
                   </a:ext>
                 </a:extLst>
               </a:tr>
@@ -19946,7 +20009,7 @@
                 </a:tc>
                 <a:extLst>
                   <a:ext uri="{0D108BD9-81ED-4DB2-BD59-A6C34878D82A}">
-                    <a16:rowId xmlns:a16="http://schemas.microsoft.com/office/drawing/2014/main" val="10001"/>
+                    <a16:rowId xmlns:a16="http://schemas.microsoft.com/office/drawing/2014/main" xmlns="" val="10001"/>
                   </a:ext>
                 </a:extLst>
               </a:tr>
@@ -19978,14 +20041,14 @@
                 <a:gridCol w="695033">
                   <a:extLst>
                     <a:ext uri="{9D8B030D-6E8A-4147-A177-3AD203B41FA5}">
-                      <a16:colId xmlns:a16="http://schemas.microsoft.com/office/drawing/2014/main" val="20000"/>
+                      <a16:colId xmlns:a16="http://schemas.microsoft.com/office/drawing/2014/main" xmlns="" val="20000"/>
                     </a:ext>
                   </a:extLst>
                 </a:gridCol>
                 <a:gridCol w="695033">
                   <a:extLst>
                     <a:ext uri="{9D8B030D-6E8A-4147-A177-3AD203B41FA5}">
-                      <a16:colId xmlns:a16="http://schemas.microsoft.com/office/drawing/2014/main" val="20001"/>
+                      <a16:colId xmlns:a16="http://schemas.microsoft.com/office/drawing/2014/main" xmlns="" val="20001"/>
                     </a:ext>
                   </a:extLst>
                 </a:gridCol>
@@ -20019,7 +20082,7 @@
                 </a:tc>
                 <a:extLst>
                   <a:ext uri="{0D108BD9-81ED-4DB2-BD59-A6C34878D82A}">
-                    <a16:rowId xmlns:a16="http://schemas.microsoft.com/office/drawing/2014/main" val="10000"/>
+                    <a16:rowId xmlns:a16="http://schemas.microsoft.com/office/drawing/2014/main" xmlns="" val="10000"/>
                   </a:ext>
                 </a:extLst>
               </a:tr>
@@ -20052,7 +20115,7 @@
                 </a:tc>
                 <a:extLst>
                   <a:ext uri="{0D108BD9-81ED-4DB2-BD59-A6C34878D82A}">
-                    <a16:rowId xmlns:a16="http://schemas.microsoft.com/office/drawing/2014/main" val="10001"/>
+                    <a16:rowId xmlns:a16="http://schemas.microsoft.com/office/drawing/2014/main" xmlns="" val="10001"/>
                   </a:ext>
                 </a:extLst>
               </a:tr>
@@ -21193,14 +21256,14 @@
                 <a:gridCol w="695033">
                   <a:extLst>
                     <a:ext uri="{9D8B030D-6E8A-4147-A177-3AD203B41FA5}">
-                      <a16:colId xmlns:a16="http://schemas.microsoft.com/office/drawing/2014/main" val="20000"/>
+                      <a16:colId xmlns:a16="http://schemas.microsoft.com/office/drawing/2014/main" xmlns="" val="20000"/>
                     </a:ext>
                   </a:extLst>
                 </a:gridCol>
                 <a:gridCol w="695033">
                   <a:extLst>
                     <a:ext uri="{9D8B030D-6E8A-4147-A177-3AD203B41FA5}">
-                      <a16:colId xmlns:a16="http://schemas.microsoft.com/office/drawing/2014/main" val="20001"/>
+                      <a16:colId xmlns:a16="http://schemas.microsoft.com/office/drawing/2014/main" xmlns="" val="20001"/>
                     </a:ext>
                   </a:extLst>
                 </a:gridCol>
@@ -21236,7 +21299,7 @@
                 </a:tc>
                 <a:extLst>
                   <a:ext uri="{0D108BD9-81ED-4DB2-BD59-A6C34878D82A}">
-                    <a16:rowId xmlns:a16="http://schemas.microsoft.com/office/drawing/2014/main" val="10000"/>
+                    <a16:rowId xmlns:a16="http://schemas.microsoft.com/office/drawing/2014/main" xmlns="" val="10000"/>
                   </a:ext>
                 </a:extLst>
               </a:tr>
@@ -21271,7 +21334,7 @@
                 </a:tc>
                 <a:extLst>
                   <a:ext uri="{0D108BD9-81ED-4DB2-BD59-A6C34878D82A}">
-                    <a16:rowId xmlns:a16="http://schemas.microsoft.com/office/drawing/2014/main" val="10001"/>
+                    <a16:rowId xmlns:a16="http://schemas.microsoft.com/office/drawing/2014/main" xmlns="" val="10001"/>
                   </a:ext>
                 </a:extLst>
               </a:tr>
@@ -21303,14 +21366,14 @@
                 <a:gridCol w="695033">
                   <a:extLst>
                     <a:ext uri="{9D8B030D-6E8A-4147-A177-3AD203B41FA5}">
-                      <a16:colId xmlns:a16="http://schemas.microsoft.com/office/drawing/2014/main" val="20000"/>
+                      <a16:colId xmlns:a16="http://schemas.microsoft.com/office/drawing/2014/main" xmlns="" val="20000"/>
                     </a:ext>
                   </a:extLst>
                 </a:gridCol>
                 <a:gridCol w="695033">
                   <a:extLst>
                     <a:ext uri="{9D8B030D-6E8A-4147-A177-3AD203B41FA5}">
-                      <a16:colId xmlns:a16="http://schemas.microsoft.com/office/drawing/2014/main" val="20001"/>
+                      <a16:colId xmlns:a16="http://schemas.microsoft.com/office/drawing/2014/main" xmlns="" val="20001"/>
                     </a:ext>
                   </a:extLst>
                 </a:gridCol>
@@ -21344,7 +21407,7 @@
                 </a:tc>
                 <a:extLst>
                   <a:ext uri="{0D108BD9-81ED-4DB2-BD59-A6C34878D82A}">
-                    <a16:rowId xmlns:a16="http://schemas.microsoft.com/office/drawing/2014/main" val="10000"/>
+                    <a16:rowId xmlns:a16="http://schemas.microsoft.com/office/drawing/2014/main" xmlns="" val="10000"/>
                   </a:ext>
                 </a:extLst>
               </a:tr>
@@ -21377,7 +21440,7 @@
                 </a:tc>
                 <a:extLst>
                   <a:ext uri="{0D108BD9-81ED-4DB2-BD59-A6C34878D82A}">
-                    <a16:rowId xmlns:a16="http://schemas.microsoft.com/office/drawing/2014/main" val="10001"/>
+                    <a16:rowId xmlns:a16="http://schemas.microsoft.com/office/drawing/2014/main" xmlns="" val="10001"/>
                   </a:ext>
                 </a:extLst>
               </a:tr>
@@ -21409,14 +21472,14 @@
                 <a:gridCol w="695033">
                   <a:extLst>
                     <a:ext uri="{9D8B030D-6E8A-4147-A177-3AD203B41FA5}">
-                      <a16:colId xmlns:a16="http://schemas.microsoft.com/office/drawing/2014/main" val="20000"/>
+                      <a16:colId xmlns:a16="http://schemas.microsoft.com/office/drawing/2014/main" xmlns="" val="20000"/>
                     </a:ext>
                   </a:extLst>
                 </a:gridCol>
                 <a:gridCol w="695033">
                   <a:extLst>
                     <a:ext uri="{9D8B030D-6E8A-4147-A177-3AD203B41FA5}">
-                      <a16:colId xmlns:a16="http://schemas.microsoft.com/office/drawing/2014/main" val="20001"/>
+                      <a16:colId xmlns:a16="http://schemas.microsoft.com/office/drawing/2014/main" xmlns="" val="20001"/>
                     </a:ext>
                   </a:extLst>
                 </a:gridCol>
@@ -21450,7 +21513,7 @@
                 </a:tc>
                 <a:extLst>
                   <a:ext uri="{0D108BD9-81ED-4DB2-BD59-A6C34878D82A}">
-                    <a16:rowId xmlns:a16="http://schemas.microsoft.com/office/drawing/2014/main" val="10000"/>
+                    <a16:rowId xmlns:a16="http://schemas.microsoft.com/office/drawing/2014/main" xmlns="" val="10000"/>
                   </a:ext>
                 </a:extLst>
               </a:tr>
@@ -21487,7 +21550,7 @@
                 </a:tc>
                 <a:extLst>
                   <a:ext uri="{0D108BD9-81ED-4DB2-BD59-A6C34878D82A}">
-                    <a16:rowId xmlns:a16="http://schemas.microsoft.com/office/drawing/2014/main" val="10001"/>
+                    <a16:rowId xmlns:a16="http://schemas.microsoft.com/office/drawing/2014/main" xmlns="" val="10001"/>
                   </a:ext>
                 </a:extLst>
               </a:tr>
@@ -22729,14 +22792,14 @@
                 <a:gridCol w="695033">
                   <a:extLst>
                     <a:ext uri="{9D8B030D-6E8A-4147-A177-3AD203B41FA5}">
-                      <a16:colId xmlns:a16="http://schemas.microsoft.com/office/drawing/2014/main" val="20000"/>
+                      <a16:colId xmlns:a16="http://schemas.microsoft.com/office/drawing/2014/main" xmlns="" val="20000"/>
                     </a:ext>
                   </a:extLst>
                 </a:gridCol>
                 <a:gridCol w="695033">
                   <a:extLst>
                     <a:ext uri="{9D8B030D-6E8A-4147-A177-3AD203B41FA5}">
-                      <a16:colId xmlns:a16="http://schemas.microsoft.com/office/drawing/2014/main" val="20001"/>
+                      <a16:colId xmlns:a16="http://schemas.microsoft.com/office/drawing/2014/main" xmlns="" val="20001"/>
                     </a:ext>
                   </a:extLst>
                 </a:gridCol>
@@ -22772,7 +22835,7 @@
                 </a:tc>
                 <a:extLst>
                   <a:ext uri="{0D108BD9-81ED-4DB2-BD59-A6C34878D82A}">
-                    <a16:rowId xmlns:a16="http://schemas.microsoft.com/office/drawing/2014/main" val="10000"/>
+                    <a16:rowId xmlns:a16="http://schemas.microsoft.com/office/drawing/2014/main" xmlns="" val="10000"/>
                   </a:ext>
                 </a:extLst>
               </a:tr>
@@ -22807,7 +22870,7 @@
                 </a:tc>
                 <a:extLst>
                   <a:ext uri="{0D108BD9-81ED-4DB2-BD59-A6C34878D82A}">
-                    <a16:rowId xmlns:a16="http://schemas.microsoft.com/office/drawing/2014/main" val="10001"/>
+                    <a16:rowId xmlns:a16="http://schemas.microsoft.com/office/drawing/2014/main" xmlns="" val="10001"/>
                   </a:ext>
                 </a:extLst>
               </a:tr>
@@ -22839,14 +22902,14 @@
                 <a:gridCol w="695033">
                   <a:extLst>
                     <a:ext uri="{9D8B030D-6E8A-4147-A177-3AD203B41FA5}">
-                      <a16:colId xmlns:a16="http://schemas.microsoft.com/office/drawing/2014/main" val="20000"/>
+                      <a16:colId xmlns:a16="http://schemas.microsoft.com/office/drawing/2014/main" xmlns="" val="20000"/>
                     </a:ext>
                   </a:extLst>
                 </a:gridCol>
                 <a:gridCol w="695033">
                   <a:extLst>
                     <a:ext uri="{9D8B030D-6E8A-4147-A177-3AD203B41FA5}">
-                      <a16:colId xmlns:a16="http://schemas.microsoft.com/office/drawing/2014/main" val="20001"/>
+                      <a16:colId xmlns:a16="http://schemas.microsoft.com/office/drawing/2014/main" xmlns="" val="20001"/>
                     </a:ext>
                   </a:extLst>
                 </a:gridCol>
@@ -22880,7 +22943,7 @@
                 </a:tc>
                 <a:extLst>
                   <a:ext uri="{0D108BD9-81ED-4DB2-BD59-A6C34878D82A}">
-                    <a16:rowId xmlns:a16="http://schemas.microsoft.com/office/drawing/2014/main" val="10000"/>
+                    <a16:rowId xmlns:a16="http://schemas.microsoft.com/office/drawing/2014/main" xmlns="" val="10000"/>
                   </a:ext>
                 </a:extLst>
               </a:tr>
@@ -22913,7 +22976,7 @@
                 </a:tc>
                 <a:extLst>
                   <a:ext uri="{0D108BD9-81ED-4DB2-BD59-A6C34878D82A}">
-                    <a16:rowId xmlns:a16="http://schemas.microsoft.com/office/drawing/2014/main" val="10001"/>
+                    <a16:rowId xmlns:a16="http://schemas.microsoft.com/office/drawing/2014/main" xmlns="" val="10001"/>
                   </a:ext>
                 </a:extLst>
               </a:tr>
@@ -22945,14 +23008,14 @@
                 <a:gridCol w="695033">
                   <a:extLst>
                     <a:ext uri="{9D8B030D-6E8A-4147-A177-3AD203B41FA5}">
-                      <a16:colId xmlns:a16="http://schemas.microsoft.com/office/drawing/2014/main" val="20000"/>
+                      <a16:colId xmlns:a16="http://schemas.microsoft.com/office/drawing/2014/main" xmlns="" val="20000"/>
                     </a:ext>
                   </a:extLst>
                 </a:gridCol>
                 <a:gridCol w="695033">
                   <a:extLst>
                     <a:ext uri="{9D8B030D-6E8A-4147-A177-3AD203B41FA5}">
-                      <a16:colId xmlns:a16="http://schemas.microsoft.com/office/drawing/2014/main" val="20001"/>
+                      <a16:colId xmlns:a16="http://schemas.microsoft.com/office/drawing/2014/main" xmlns="" val="20001"/>
                     </a:ext>
                   </a:extLst>
                 </a:gridCol>
@@ -22986,7 +23049,7 @@
                 </a:tc>
                 <a:extLst>
                   <a:ext uri="{0D108BD9-81ED-4DB2-BD59-A6C34878D82A}">
-                    <a16:rowId xmlns:a16="http://schemas.microsoft.com/office/drawing/2014/main" val="10000"/>
+                    <a16:rowId xmlns:a16="http://schemas.microsoft.com/office/drawing/2014/main" xmlns="" val="10000"/>
                   </a:ext>
                 </a:extLst>
               </a:tr>
@@ -23027,7 +23090,7 @@
                 </a:tc>
                 <a:extLst>
                   <a:ext uri="{0D108BD9-81ED-4DB2-BD59-A6C34878D82A}">
-                    <a16:rowId xmlns:a16="http://schemas.microsoft.com/office/drawing/2014/main" val="10001"/>
+                    <a16:rowId xmlns:a16="http://schemas.microsoft.com/office/drawing/2014/main" xmlns="" val="10001"/>
                   </a:ext>
                 </a:extLst>
               </a:tr>
@@ -25119,21 +25182,21 @@
                 <a:gridCol w="654436">
                   <a:extLst>
                     <a:ext uri="{9D8B030D-6E8A-4147-A177-3AD203B41FA5}">
-                      <a16:colId xmlns:a16="http://schemas.microsoft.com/office/drawing/2014/main" val="20000"/>
+                      <a16:colId xmlns:a16="http://schemas.microsoft.com/office/drawing/2014/main" xmlns="" val="20000"/>
                     </a:ext>
                   </a:extLst>
                 </a:gridCol>
                 <a:gridCol w="1124950">
                   <a:extLst>
                     <a:ext uri="{9D8B030D-6E8A-4147-A177-3AD203B41FA5}">
-                      <a16:colId xmlns:a16="http://schemas.microsoft.com/office/drawing/2014/main" val="20001"/>
+                      <a16:colId xmlns:a16="http://schemas.microsoft.com/office/drawing/2014/main" xmlns="" val="20001"/>
                     </a:ext>
                   </a:extLst>
                 </a:gridCol>
                 <a:gridCol w="1193100">
                   <a:extLst>
                     <a:ext uri="{9D8B030D-6E8A-4147-A177-3AD203B41FA5}">
-                      <a16:colId xmlns:a16="http://schemas.microsoft.com/office/drawing/2014/main" val="20002"/>
+                      <a16:colId xmlns:a16="http://schemas.microsoft.com/office/drawing/2014/main" xmlns="" val="20002"/>
                     </a:ext>
                   </a:extLst>
                 </a:gridCol>
@@ -25177,7 +25240,7 @@
                 </a:tc>
                 <a:extLst>
                   <a:ext uri="{0D108BD9-81ED-4DB2-BD59-A6C34878D82A}">
-                    <a16:rowId xmlns:a16="http://schemas.microsoft.com/office/drawing/2014/main" val="10000"/>
+                    <a16:rowId xmlns:a16="http://schemas.microsoft.com/office/drawing/2014/main" xmlns="" val="10000"/>
                   </a:ext>
                 </a:extLst>
               </a:tr>
@@ -25263,7 +25326,7 @@
                 </a:tc>
                 <a:extLst>
                   <a:ext uri="{0D108BD9-81ED-4DB2-BD59-A6C34878D82A}">
-                    <a16:rowId xmlns:a16="http://schemas.microsoft.com/office/drawing/2014/main" val="10001"/>
+                    <a16:rowId xmlns:a16="http://schemas.microsoft.com/office/drawing/2014/main" xmlns="" val="10001"/>
                   </a:ext>
                 </a:extLst>
               </a:tr>
@@ -25349,7 +25412,7 @@
                 </a:tc>
                 <a:extLst>
                   <a:ext uri="{0D108BD9-81ED-4DB2-BD59-A6C34878D82A}">
-                    <a16:rowId xmlns:a16="http://schemas.microsoft.com/office/drawing/2014/main" val="10002"/>
+                    <a16:rowId xmlns:a16="http://schemas.microsoft.com/office/drawing/2014/main" xmlns="" val="10002"/>
                   </a:ext>
                 </a:extLst>
               </a:tr>
@@ -25381,14 +25444,14 @@
                 <a:gridCol w="1124950">
                   <a:extLst>
                     <a:ext uri="{9D8B030D-6E8A-4147-A177-3AD203B41FA5}">
-                      <a16:colId xmlns:a16="http://schemas.microsoft.com/office/drawing/2014/main" val="20000"/>
+                      <a16:colId xmlns:a16="http://schemas.microsoft.com/office/drawing/2014/main" xmlns="" val="20000"/>
                     </a:ext>
                   </a:extLst>
                 </a:gridCol>
                 <a:gridCol w="1193100">
                   <a:extLst>
                     <a:ext uri="{9D8B030D-6E8A-4147-A177-3AD203B41FA5}">
-                      <a16:colId xmlns:a16="http://schemas.microsoft.com/office/drawing/2014/main" val="20001"/>
+                      <a16:colId xmlns:a16="http://schemas.microsoft.com/office/drawing/2014/main" xmlns="" val="20001"/>
                     </a:ext>
                   </a:extLst>
                 </a:gridCol>
@@ -25422,7 +25485,7 @@
                 </a:tc>
                 <a:extLst>
                   <a:ext uri="{0D108BD9-81ED-4DB2-BD59-A6C34878D82A}">
-                    <a16:rowId xmlns:a16="http://schemas.microsoft.com/office/drawing/2014/main" val="10000"/>
+                    <a16:rowId xmlns:a16="http://schemas.microsoft.com/office/drawing/2014/main" xmlns="" val="10000"/>
                   </a:ext>
                 </a:extLst>
               </a:tr>
@@ -25455,7 +25518,7 @@
                 </a:tc>
                 <a:extLst>
                   <a:ext uri="{0D108BD9-81ED-4DB2-BD59-A6C34878D82A}">
-                    <a16:rowId xmlns:a16="http://schemas.microsoft.com/office/drawing/2014/main" val="10001"/>
+                    <a16:rowId xmlns:a16="http://schemas.microsoft.com/office/drawing/2014/main" xmlns="" val="10001"/>
                   </a:ext>
                 </a:extLst>
               </a:tr>
@@ -26186,21 +26249,21 @@
                 <a:gridCol w="654436">
                   <a:extLst>
                     <a:ext uri="{9D8B030D-6E8A-4147-A177-3AD203B41FA5}">
-                      <a16:colId xmlns:a16="http://schemas.microsoft.com/office/drawing/2014/main" val="20000"/>
+                      <a16:colId xmlns:a16="http://schemas.microsoft.com/office/drawing/2014/main" xmlns="" val="20000"/>
                     </a:ext>
                   </a:extLst>
                 </a:gridCol>
                 <a:gridCol w="1124950">
                   <a:extLst>
                     <a:ext uri="{9D8B030D-6E8A-4147-A177-3AD203B41FA5}">
-                      <a16:colId xmlns:a16="http://schemas.microsoft.com/office/drawing/2014/main" val="20001"/>
+                      <a16:colId xmlns:a16="http://schemas.microsoft.com/office/drawing/2014/main" xmlns="" val="20001"/>
                     </a:ext>
                   </a:extLst>
                 </a:gridCol>
                 <a:gridCol w="1193100">
                   <a:extLst>
                     <a:ext uri="{9D8B030D-6E8A-4147-A177-3AD203B41FA5}">
-                      <a16:colId xmlns:a16="http://schemas.microsoft.com/office/drawing/2014/main" val="20002"/>
+                      <a16:colId xmlns:a16="http://schemas.microsoft.com/office/drawing/2014/main" xmlns="" val="20002"/>
                     </a:ext>
                   </a:extLst>
                 </a:gridCol>
@@ -26244,7 +26307,7 @@
                 </a:tc>
                 <a:extLst>
                   <a:ext uri="{0D108BD9-81ED-4DB2-BD59-A6C34878D82A}">
-                    <a16:rowId xmlns:a16="http://schemas.microsoft.com/office/drawing/2014/main" val="10000"/>
+                    <a16:rowId xmlns:a16="http://schemas.microsoft.com/office/drawing/2014/main" xmlns="" val="10000"/>
                   </a:ext>
                 </a:extLst>
               </a:tr>
@@ -26330,7 +26393,7 @@
                 </a:tc>
                 <a:extLst>
                   <a:ext uri="{0D108BD9-81ED-4DB2-BD59-A6C34878D82A}">
-                    <a16:rowId xmlns:a16="http://schemas.microsoft.com/office/drawing/2014/main" val="10001"/>
+                    <a16:rowId xmlns:a16="http://schemas.microsoft.com/office/drawing/2014/main" xmlns="" val="10001"/>
                   </a:ext>
                 </a:extLst>
               </a:tr>
@@ -26416,7 +26479,7 @@
                 </a:tc>
                 <a:extLst>
                   <a:ext uri="{0D108BD9-81ED-4DB2-BD59-A6C34878D82A}">
-                    <a16:rowId xmlns:a16="http://schemas.microsoft.com/office/drawing/2014/main" val="10002"/>
+                    <a16:rowId xmlns:a16="http://schemas.microsoft.com/office/drawing/2014/main" xmlns="" val="10002"/>
                   </a:ext>
                 </a:extLst>
               </a:tr>
@@ -26448,14 +26511,14 @@
                 <a:gridCol w="1124950">
                   <a:extLst>
                     <a:ext uri="{9D8B030D-6E8A-4147-A177-3AD203B41FA5}">
-                      <a16:colId xmlns:a16="http://schemas.microsoft.com/office/drawing/2014/main" val="20000"/>
+                      <a16:colId xmlns:a16="http://schemas.microsoft.com/office/drawing/2014/main" xmlns="" val="20000"/>
                     </a:ext>
                   </a:extLst>
                 </a:gridCol>
                 <a:gridCol w="1193100">
                   <a:extLst>
                     <a:ext uri="{9D8B030D-6E8A-4147-A177-3AD203B41FA5}">
-                      <a16:colId xmlns:a16="http://schemas.microsoft.com/office/drawing/2014/main" val="20001"/>
+                      <a16:colId xmlns:a16="http://schemas.microsoft.com/office/drawing/2014/main" xmlns="" val="20001"/>
                     </a:ext>
                   </a:extLst>
                 </a:gridCol>
@@ -26489,7 +26552,7 @@
                 </a:tc>
                 <a:extLst>
                   <a:ext uri="{0D108BD9-81ED-4DB2-BD59-A6C34878D82A}">
-                    <a16:rowId xmlns:a16="http://schemas.microsoft.com/office/drawing/2014/main" val="10000"/>
+                    <a16:rowId xmlns:a16="http://schemas.microsoft.com/office/drawing/2014/main" xmlns="" val="10000"/>
                   </a:ext>
                 </a:extLst>
               </a:tr>
@@ -26522,7 +26585,7 @@
                 </a:tc>
                 <a:extLst>
                   <a:ext uri="{0D108BD9-81ED-4DB2-BD59-A6C34878D82A}">
-                    <a16:rowId xmlns:a16="http://schemas.microsoft.com/office/drawing/2014/main" val="10001"/>
+                    <a16:rowId xmlns:a16="http://schemas.microsoft.com/office/drawing/2014/main" xmlns="" val="10001"/>
                   </a:ext>
                 </a:extLst>
               </a:tr>
@@ -36484,9 +36547,22 @@
           <a:lstStyle/>
           <a:p>
             <a:r>
-              <a:rPr lang="en-US" dirty="0"/>
-              <a:t>Conflict serializable </a:t>
-            </a:r>
+              <a:rPr lang="en-US" dirty="0" smtClean="0"/>
+              <a:t>Exercise</a:t>
+            </a:r>
+            <a:r>
+              <a:rPr lang="en-US" altLang="zh-CN" dirty="0" smtClean="0"/>
+              <a:t>:</a:t>
+            </a:r>
+            <a:r>
+              <a:rPr lang="zh-CN" altLang="en-US" dirty="0" smtClean="0"/>
+              <a:t> </a:t>
+            </a:r>
+            <a:r>
+              <a:rPr lang="en-US" altLang="zh-CN" dirty="0" smtClean="0"/>
+              <a:t>Answer</a:t>
+            </a:r>
+            <a:endParaRPr lang="en-US" dirty="0"/>
           </a:p>
         </p:txBody>
       </p:sp>
@@ -36507,83 +36583,40 @@
           <a:p>
             <a:r>
               <a:rPr lang="en-US" dirty="0"/>
-              <a:t>Schedule S is </a:t>
-            </a:r>
-            <a:r>
-              <a:rPr lang="en-US" b="1" dirty="0"/>
-              <a:t>conflict serializable </a:t>
+              <a:t>Two actions </a:t>
+            </a:r>
+            <a:r>
+              <a:rPr lang="en-US" b="1" u="sng" dirty="0"/>
+              <a:t>conflict</a:t>
             </a:r>
             <a:r>
               <a:rPr lang="en-US" dirty="0"/>
-              <a:t>if S is </a:t>
-            </a:r>
-            <a:r>
-              <a:rPr lang="en-US" i="1" dirty="0">
-                <a:solidFill>
-                  <a:srgbClr val="ED7D31"/>
-                </a:solidFill>
-              </a:rPr>
-              <a:t>conflict equivalent</a:t>
+              <a:t> if all the conditions hold</a:t>
+            </a:r>
+          </a:p>
+          <a:p>
+            <a:pPr lvl="1"/>
+            <a:r>
+              <a:rPr lang="en-US" dirty="0" err="1"/>
+              <a:t>i</a:t>
             </a:r>
             <a:r>
               <a:rPr lang="en-US" dirty="0"/>
-              <a:t> to some serial schedule</a:t>
-            </a:r>
-          </a:p>
-          <a:p>
-            <a:endParaRPr lang="en-US" dirty="0"/>
-          </a:p>
-          <a:p>
+              <a:t>) they are part of different TXNs, </a:t>
+            </a:r>
+          </a:p>
+          <a:p>
+            <a:pPr lvl="1"/>
             <a:r>
               <a:rPr lang="en-US" dirty="0"/>
-              <a:t>Two schedules are </a:t>
-            </a:r>
-            <a:r>
-              <a:rPr lang="en-US" dirty="0">
-                <a:solidFill>
-                  <a:srgbClr val="ED7D31"/>
-                </a:solidFill>
-              </a:rPr>
-              <a:t>conflict equivalent </a:t>
-            </a:r>
+              <a:t>ii) they involve the same variable, </a:t>
+            </a:r>
+          </a:p>
+          <a:p>
+            <a:pPr lvl="1"/>
             <a:r>
               <a:rPr lang="en-US" dirty="0"/>
-              <a:t>if:</a:t>
-            </a:r>
-          </a:p>
-          <a:p>
-            <a:pPr lvl="1">
-              <a:buSzPct val="75000"/>
-            </a:pPr>
-            <a:r>
-              <a:rPr lang="en-US" dirty="0"/>
-              <a:t>They involve </a:t>
-            </a:r>
-            <a:r>
-              <a:rPr lang="en-US" i="1" dirty="0"/>
-              <a:t>the same actions of the same TXNs</a:t>
-            </a:r>
-            <a:endParaRPr lang="en-US" dirty="0"/>
-          </a:p>
-          <a:p>
-            <a:pPr lvl="1">
-              <a:buSzPct val="75000"/>
-            </a:pPr>
-            <a:r>
-              <a:rPr lang="en-US" dirty="0"/>
-              <a:t>Every </a:t>
-            </a:r>
-            <a:r>
-              <a:rPr lang="en-US" i="1" dirty="0"/>
-              <a:t>pair of conflicting actions</a:t>
-            </a:r>
-            <a:r>
-              <a:rPr lang="en-US" dirty="0"/>
-              <a:t> of two TXNs are </a:t>
-            </a:r>
-            <a:r>
-              <a:rPr lang="en-US" i="1" dirty="0"/>
-              <a:t>ordered in the same way</a:t>
+              <a:t>iii) at least one of them is a write</a:t>
             </a:r>
           </a:p>
           <a:p>
@@ -36614,10 +36647,732 @@
           </a:p>
         </p:txBody>
       </p:sp>
+      <p:grpSp>
+        <p:nvGrpSpPr>
+          <p:cNvPr id="49" name="Group 48"/>
+          <p:cNvGrpSpPr/>
+          <p:nvPr/>
+        </p:nvGrpSpPr>
+        <p:grpSpPr>
+          <a:xfrm>
+            <a:off x="628650" y="4087052"/>
+            <a:ext cx="7989502" cy="1646518"/>
+            <a:chOff x="2201260" y="3886535"/>
+            <a:chExt cx="6507961" cy="1026204"/>
+          </a:xfrm>
+        </p:grpSpPr>
+        <p:cxnSp>
+          <p:nvCxnSpPr>
+            <p:cNvPr id="50" name="Straight Arrow Connector 49"/>
+            <p:cNvCxnSpPr/>
+            <p:nvPr/>
+          </p:nvCxnSpPr>
+          <p:spPr>
+            <a:xfrm>
+              <a:off x="2700011" y="4902726"/>
+              <a:ext cx="6009210" cy="10013"/>
+            </a:xfrm>
+            <a:prstGeom prst="straightConnector1">
+              <a:avLst/>
+            </a:prstGeom>
+            <a:ln w="38100">
+              <a:solidFill>
+                <a:schemeClr val="tx1">
+                  <a:lumMod val="50000"/>
+                  <a:lumOff val="50000"/>
+                </a:schemeClr>
+              </a:solidFill>
+              <a:tailEnd type="triangle"/>
+            </a:ln>
+          </p:spPr>
+          <p:style>
+            <a:lnRef idx="1">
+              <a:schemeClr val="accent1"/>
+            </a:lnRef>
+            <a:fillRef idx="0">
+              <a:schemeClr val="accent1"/>
+            </a:fillRef>
+            <a:effectRef idx="0">
+              <a:schemeClr val="accent1"/>
+            </a:effectRef>
+            <a:fontRef idx="minor">
+              <a:schemeClr val="tx1"/>
+            </a:fontRef>
+          </p:style>
+        </p:cxnSp>
+        <p:sp>
+          <p:nvSpPr>
+            <p:cNvPr id="51" name="TextBox 50"/>
+            <p:cNvSpPr txBox="1"/>
+            <p:nvPr/>
+          </p:nvSpPr>
+          <p:spPr>
+            <a:xfrm>
+              <a:off x="2201260" y="3886535"/>
+              <a:ext cx="356730" cy="287736"/>
+            </a:xfrm>
+            <a:prstGeom prst="rect">
+              <a:avLst/>
+            </a:prstGeom>
+            <a:noFill/>
+          </p:spPr>
+          <p:txBody>
+            <a:bodyPr wrap="none" rtlCol="0">
+              <a:spAutoFit/>
+            </a:bodyPr>
+            <a:lstStyle/>
+            <a:p>
+              <a:r>
+                <a:rPr lang="en-US" sz="2400" b="1" dirty="0" smtClean="0">
+                  <a:solidFill>
+                    <a:srgbClr val="C00000"/>
+                  </a:solidFill>
+                  <a:latin typeface="+mj-lt"/>
+                </a:rPr>
+                <a:t>T</a:t>
+              </a:r>
+              <a:r>
+                <a:rPr lang="en-US" sz="2400" b="1" baseline="-25000" dirty="0" smtClean="0">
+                  <a:solidFill>
+                    <a:srgbClr val="C00000"/>
+                  </a:solidFill>
+                  <a:latin typeface="+mj-lt"/>
+                </a:rPr>
+                <a:t>1</a:t>
+              </a:r>
+              <a:endParaRPr lang="en-US" sz="2400" b="1" baseline="-25000" dirty="0">
+                <a:solidFill>
+                  <a:srgbClr val="C00000"/>
+                </a:solidFill>
+                <a:latin typeface="+mj-lt"/>
+              </a:endParaRPr>
+            </a:p>
+          </p:txBody>
+        </p:sp>
+        <p:sp>
+          <p:nvSpPr>
+            <p:cNvPr id="52" name="TextBox 51"/>
+            <p:cNvSpPr txBox="1"/>
+            <p:nvPr/>
+          </p:nvSpPr>
+          <p:spPr>
+            <a:xfrm>
+              <a:off x="2201260" y="4436683"/>
+              <a:ext cx="356730" cy="287736"/>
+            </a:xfrm>
+            <a:prstGeom prst="rect">
+              <a:avLst/>
+            </a:prstGeom>
+            <a:noFill/>
+          </p:spPr>
+          <p:txBody>
+            <a:bodyPr wrap="none" rtlCol="0">
+              <a:spAutoFit/>
+            </a:bodyPr>
+            <a:lstStyle/>
+            <a:p>
+              <a:r>
+                <a:rPr lang="en-US" sz="2400" b="1" dirty="0" smtClean="0">
+                  <a:solidFill>
+                    <a:srgbClr val="0070C0"/>
+                  </a:solidFill>
+                  <a:latin typeface="+mj-lt"/>
+                </a:rPr>
+                <a:t>T</a:t>
+              </a:r>
+              <a:r>
+                <a:rPr lang="en-US" sz="2400" b="1" baseline="-25000" dirty="0">
+                  <a:solidFill>
+                    <a:srgbClr val="0070C0"/>
+                  </a:solidFill>
+                  <a:latin typeface="+mj-lt"/>
+                </a:rPr>
+                <a:t>2</a:t>
+              </a:r>
+            </a:p>
+          </p:txBody>
+        </p:sp>
+        <p:sp>
+          <p:nvSpPr>
+            <p:cNvPr id="53" name="TextBox 52"/>
+            <p:cNvSpPr txBox="1"/>
+            <p:nvPr/>
+          </p:nvSpPr>
+          <p:spPr>
+            <a:xfrm>
+              <a:off x="2690999" y="3974970"/>
+              <a:ext cx="620622" cy="287736"/>
+            </a:xfrm>
+            <a:prstGeom prst="rect">
+              <a:avLst/>
+            </a:prstGeom>
+            <a:solidFill>
+              <a:srgbClr val="C00000">
+                <a:alpha val="20000"/>
+              </a:srgbClr>
+            </a:solidFill>
+            <a:ln>
+              <a:solidFill>
+                <a:srgbClr val="C00000"/>
+              </a:solidFill>
+            </a:ln>
+          </p:spPr>
+          <p:txBody>
+            <a:bodyPr wrap="square" rtlCol="0">
+              <a:spAutoFit/>
+            </a:bodyPr>
+            <a:lstStyle/>
+            <a:p>
+              <a:r>
+                <a:rPr lang="en-US" sz="2400" dirty="0" smtClean="0">
+                  <a:latin typeface="+mj-lt"/>
+                </a:rPr>
+                <a:t>R(A)</a:t>
+              </a:r>
+              <a:endParaRPr lang="en-US" sz="2400" dirty="0">
+                <a:latin typeface="+mj-lt"/>
+              </a:endParaRPr>
+            </a:p>
+          </p:txBody>
+        </p:sp>
+        <p:sp>
+          <p:nvSpPr>
+            <p:cNvPr id="54" name="TextBox 53"/>
+            <p:cNvSpPr txBox="1"/>
+            <p:nvPr/>
+          </p:nvSpPr>
+          <p:spPr>
+            <a:xfrm>
+              <a:off x="5704616" y="3974970"/>
+              <a:ext cx="614194" cy="287736"/>
+            </a:xfrm>
+            <a:prstGeom prst="rect">
+              <a:avLst/>
+            </a:prstGeom>
+            <a:solidFill>
+              <a:srgbClr val="C00000">
+                <a:alpha val="20000"/>
+              </a:srgbClr>
+            </a:solidFill>
+            <a:ln>
+              <a:solidFill>
+                <a:srgbClr val="C00000"/>
+              </a:solidFill>
+            </a:ln>
+          </p:spPr>
+          <p:txBody>
+            <a:bodyPr wrap="square" rtlCol="0">
+              <a:spAutoFit/>
+            </a:bodyPr>
+            <a:lstStyle/>
+            <a:p>
+              <a:r>
+                <a:rPr lang="en-US" sz="2400" smtClean="0">
+                  <a:latin typeface="+mj-lt"/>
+                </a:rPr>
+                <a:t>R(B)</a:t>
+              </a:r>
+              <a:endParaRPr lang="en-US" sz="2400" dirty="0">
+                <a:latin typeface="+mj-lt"/>
+              </a:endParaRPr>
+            </a:p>
+          </p:txBody>
+        </p:sp>
+        <p:sp>
+          <p:nvSpPr>
+            <p:cNvPr id="55" name="TextBox 54"/>
+            <p:cNvSpPr txBox="1"/>
+            <p:nvPr/>
+          </p:nvSpPr>
+          <p:spPr>
+            <a:xfrm>
+              <a:off x="3400416" y="3974970"/>
+              <a:ext cx="710613" cy="287736"/>
+            </a:xfrm>
+            <a:prstGeom prst="rect">
+              <a:avLst/>
+            </a:prstGeom>
+            <a:solidFill>
+              <a:srgbClr val="C00000">
+                <a:alpha val="20000"/>
+              </a:srgbClr>
+            </a:solidFill>
+            <a:ln>
+              <a:solidFill>
+                <a:srgbClr val="C00000"/>
+              </a:solidFill>
+            </a:ln>
+          </p:spPr>
+          <p:txBody>
+            <a:bodyPr wrap="square" rtlCol="0">
+              <a:spAutoFit/>
+            </a:bodyPr>
+            <a:lstStyle/>
+            <a:p>
+              <a:r>
+                <a:rPr lang="en-US" sz="2400" dirty="0">
+                  <a:latin typeface="+mj-lt"/>
+                </a:rPr>
+                <a:t>W</a:t>
+              </a:r>
+              <a:r>
+                <a:rPr lang="en-US" sz="2400" dirty="0" smtClean="0">
+                  <a:latin typeface="+mj-lt"/>
+                </a:rPr>
+                <a:t>(A)</a:t>
+              </a:r>
+              <a:endParaRPr lang="en-US" sz="2400" dirty="0">
+                <a:latin typeface="+mj-lt"/>
+              </a:endParaRPr>
+            </a:p>
+          </p:txBody>
+        </p:sp>
+        <p:sp>
+          <p:nvSpPr>
+            <p:cNvPr id="56" name="TextBox 55"/>
+            <p:cNvSpPr txBox="1"/>
+            <p:nvPr/>
+          </p:nvSpPr>
+          <p:spPr>
+            <a:xfrm>
+              <a:off x="6407605" y="3974970"/>
+              <a:ext cx="710613" cy="287736"/>
+            </a:xfrm>
+            <a:prstGeom prst="rect">
+              <a:avLst/>
+            </a:prstGeom>
+            <a:solidFill>
+              <a:srgbClr val="C00000">
+                <a:alpha val="20000"/>
+              </a:srgbClr>
+            </a:solidFill>
+            <a:ln>
+              <a:solidFill>
+                <a:srgbClr val="C00000"/>
+              </a:solidFill>
+            </a:ln>
+          </p:spPr>
+          <p:txBody>
+            <a:bodyPr wrap="square" rtlCol="0">
+              <a:spAutoFit/>
+            </a:bodyPr>
+            <a:lstStyle/>
+            <a:p>
+              <a:r>
+                <a:rPr lang="en-US" sz="2400" dirty="0" smtClean="0">
+                  <a:latin typeface="+mj-lt"/>
+                </a:rPr>
+                <a:t>W(B)</a:t>
+              </a:r>
+              <a:endParaRPr lang="en-US" sz="2400" dirty="0">
+                <a:latin typeface="+mj-lt"/>
+              </a:endParaRPr>
+            </a:p>
+          </p:txBody>
+        </p:sp>
+        <p:sp>
+          <p:nvSpPr>
+            <p:cNvPr id="57" name="TextBox 56"/>
+            <p:cNvSpPr txBox="1"/>
+            <p:nvPr/>
+          </p:nvSpPr>
+          <p:spPr>
+            <a:xfrm>
+              <a:off x="4199824" y="4460424"/>
+              <a:ext cx="620622" cy="287736"/>
+            </a:xfrm>
+            <a:prstGeom prst="rect">
+              <a:avLst/>
+            </a:prstGeom>
+            <a:solidFill>
+              <a:srgbClr val="0070C0">
+                <a:alpha val="20000"/>
+              </a:srgbClr>
+            </a:solidFill>
+            <a:ln>
+              <a:solidFill>
+                <a:srgbClr val="0070C0"/>
+              </a:solidFill>
+            </a:ln>
+          </p:spPr>
+          <p:txBody>
+            <a:bodyPr wrap="square" rtlCol="0">
+              <a:spAutoFit/>
+            </a:bodyPr>
+            <a:lstStyle/>
+            <a:p>
+              <a:r>
+                <a:rPr lang="en-US" sz="2400" smtClean="0">
+                  <a:latin typeface="+mj-lt"/>
+                </a:rPr>
+                <a:t>R(A)</a:t>
+              </a:r>
+              <a:endParaRPr lang="en-US" sz="2400" dirty="0">
+                <a:latin typeface="+mj-lt"/>
+              </a:endParaRPr>
+            </a:p>
+          </p:txBody>
+        </p:sp>
+        <p:sp>
+          <p:nvSpPr>
+            <p:cNvPr id="58" name="TextBox 57"/>
+            <p:cNvSpPr txBox="1"/>
+            <p:nvPr/>
+          </p:nvSpPr>
+          <p:spPr>
+            <a:xfrm>
+              <a:off x="7213441" y="4460424"/>
+              <a:ext cx="614194" cy="287736"/>
+            </a:xfrm>
+            <a:prstGeom prst="rect">
+              <a:avLst/>
+            </a:prstGeom>
+            <a:solidFill>
+              <a:srgbClr val="0070C0">
+                <a:alpha val="20000"/>
+              </a:srgbClr>
+            </a:solidFill>
+            <a:ln>
+              <a:solidFill>
+                <a:srgbClr val="0070C0"/>
+              </a:solidFill>
+            </a:ln>
+          </p:spPr>
+          <p:txBody>
+            <a:bodyPr wrap="square" rtlCol="0">
+              <a:spAutoFit/>
+            </a:bodyPr>
+            <a:lstStyle/>
+            <a:p>
+              <a:r>
+                <a:rPr lang="en-US" sz="2400" smtClean="0">
+                  <a:latin typeface="+mj-lt"/>
+                </a:rPr>
+                <a:t>R(B)</a:t>
+              </a:r>
+              <a:endParaRPr lang="en-US" sz="2400" dirty="0">
+                <a:latin typeface="+mj-lt"/>
+              </a:endParaRPr>
+            </a:p>
+          </p:txBody>
+        </p:sp>
+        <p:sp>
+          <p:nvSpPr>
+            <p:cNvPr id="59" name="TextBox 58"/>
+            <p:cNvSpPr txBox="1"/>
+            <p:nvPr/>
+          </p:nvSpPr>
+          <p:spPr>
+            <a:xfrm>
+              <a:off x="4909241" y="4460424"/>
+              <a:ext cx="710613" cy="287736"/>
+            </a:xfrm>
+            <a:prstGeom prst="rect">
+              <a:avLst/>
+            </a:prstGeom>
+            <a:solidFill>
+              <a:srgbClr val="0070C0">
+                <a:alpha val="20000"/>
+              </a:srgbClr>
+            </a:solidFill>
+            <a:ln>
+              <a:solidFill>
+                <a:srgbClr val="0070C0"/>
+              </a:solidFill>
+            </a:ln>
+          </p:spPr>
+          <p:txBody>
+            <a:bodyPr wrap="square" rtlCol="0">
+              <a:spAutoFit/>
+            </a:bodyPr>
+            <a:lstStyle/>
+            <a:p>
+              <a:r>
+                <a:rPr lang="en-US" sz="2400" dirty="0">
+                  <a:latin typeface="+mj-lt"/>
+                </a:rPr>
+                <a:t>W</a:t>
+              </a:r>
+              <a:r>
+                <a:rPr lang="en-US" sz="2400" dirty="0" smtClean="0">
+                  <a:latin typeface="+mj-lt"/>
+                </a:rPr>
+                <a:t>(A)</a:t>
+              </a:r>
+              <a:endParaRPr lang="en-US" sz="2400" dirty="0">
+                <a:latin typeface="+mj-lt"/>
+              </a:endParaRPr>
+            </a:p>
+          </p:txBody>
+        </p:sp>
+        <p:sp>
+          <p:nvSpPr>
+            <p:cNvPr id="60" name="TextBox 59"/>
+            <p:cNvSpPr txBox="1"/>
+            <p:nvPr/>
+          </p:nvSpPr>
+          <p:spPr>
+            <a:xfrm>
+              <a:off x="7916430" y="4460424"/>
+              <a:ext cx="710613" cy="287736"/>
+            </a:xfrm>
+            <a:prstGeom prst="rect">
+              <a:avLst/>
+            </a:prstGeom>
+            <a:solidFill>
+              <a:srgbClr val="0070C0">
+                <a:alpha val="20000"/>
+              </a:srgbClr>
+            </a:solidFill>
+            <a:ln>
+              <a:solidFill>
+                <a:srgbClr val="0070C0"/>
+              </a:solidFill>
+            </a:ln>
+          </p:spPr>
+          <p:txBody>
+            <a:bodyPr wrap="square" rtlCol="0">
+              <a:spAutoFit/>
+            </a:bodyPr>
+            <a:lstStyle/>
+            <a:p>
+              <a:r>
+                <a:rPr lang="en-US" sz="2400" dirty="0" smtClean="0">
+                  <a:latin typeface="+mj-lt"/>
+                </a:rPr>
+                <a:t>W(B)</a:t>
+              </a:r>
+              <a:endParaRPr lang="en-US" sz="2400" dirty="0">
+                <a:latin typeface="+mj-lt"/>
+              </a:endParaRPr>
+            </a:p>
+          </p:txBody>
+        </p:sp>
+      </p:grpSp>
+      <p:cxnSp>
+        <p:nvCxnSpPr>
+          <p:cNvPr id="61" name="Straight Arrow Connector 60"/>
+          <p:cNvCxnSpPr/>
+          <p:nvPr/>
+        </p:nvCxnSpPr>
+        <p:spPr>
+          <a:xfrm>
+            <a:off x="2536987" y="4659078"/>
+            <a:ext cx="545201" cy="548066"/>
+          </a:xfrm>
+          <a:prstGeom prst="straightConnector1">
+            <a:avLst/>
+          </a:prstGeom>
+          <a:ln w="12700">
+            <a:solidFill>
+              <a:srgbClr val="FF0000"/>
+            </a:solidFill>
+            <a:tailEnd type="triangle"/>
+          </a:ln>
+        </p:spPr>
+        <p:style>
+          <a:lnRef idx="1">
+            <a:schemeClr val="accent1"/>
+          </a:lnRef>
+          <a:fillRef idx="0">
+            <a:schemeClr val="accent1"/>
+          </a:fillRef>
+          <a:effectRef idx="0">
+            <a:schemeClr val="accent1"/>
+          </a:effectRef>
+          <a:fontRef idx="minor">
+            <a:schemeClr val="tx1"/>
+          </a:fontRef>
+        </p:style>
+      </p:cxnSp>
+      <p:cxnSp>
+        <p:nvCxnSpPr>
+          <p:cNvPr id="62" name="Straight Arrow Connector 61"/>
+          <p:cNvCxnSpPr>
+            <a:stCxn id="65" idx="2"/>
+          </p:cNvCxnSpPr>
+          <p:nvPr/>
+        </p:nvCxnSpPr>
+        <p:spPr>
+          <a:xfrm>
+            <a:off x="1610832" y="4659078"/>
+            <a:ext cx="2342272" cy="548066"/>
+          </a:xfrm>
+          <a:prstGeom prst="straightConnector1">
+            <a:avLst/>
+          </a:prstGeom>
+          <a:ln w="12700">
+            <a:solidFill>
+              <a:srgbClr val="FF0000"/>
+            </a:solidFill>
+            <a:tailEnd type="triangle"/>
+          </a:ln>
+        </p:spPr>
+        <p:style>
+          <a:lnRef idx="1">
+            <a:schemeClr val="accent1"/>
+          </a:lnRef>
+          <a:fillRef idx="0">
+            <a:schemeClr val="accent1"/>
+          </a:fillRef>
+          <a:effectRef idx="0">
+            <a:schemeClr val="accent1"/>
+          </a:effectRef>
+          <a:fontRef idx="minor">
+            <a:schemeClr val="tx1"/>
+          </a:fontRef>
+        </p:style>
+      </p:cxnSp>
+      <p:cxnSp>
+        <p:nvCxnSpPr>
+          <p:cNvPr id="63" name="Straight Arrow Connector 62"/>
+          <p:cNvCxnSpPr/>
+          <p:nvPr/>
+        </p:nvCxnSpPr>
+        <p:spPr>
+          <a:xfrm>
+            <a:off x="2536987" y="4659078"/>
+            <a:ext cx="1416117" cy="548066"/>
+          </a:xfrm>
+          <a:prstGeom prst="straightConnector1">
+            <a:avLst/>
+          </a:prstGeom>
+          <a:ln w="12700">
+            <a:solidFill>
+              <a:srgbClr val="FF0000"/>
+            </a:solidFill>
+            <a:tailEnd type="triangle"/>
+          </a:ln>
+        </p:spPr>
+        <p:style>
+          <a:lnRef idx="1">
+            <a:schemeClr val="accent1"/>
+          </a:lnRef>
+          <a:fillRef idx="0">
+            <a:schemeClr val="accent1"/>
+          </a:fillRef>
+          <a:effectRef idx="0">
+            <a:schemeClr val="accent1"/>
+          </a:effectRef>
+          <a:fontRef idx="minor">
+            <a:schemeClr val="tx1"/>
+          </a:fontRef>
+        </p:style>
+      </p:cxnSp>
+      <p:cxnSp>
+        <p:nvCxnSpPr>
+          <p:cNvPr id="64" name="Straight Arrow Connector 63"/>
+          <p:cNvCxnSpPr>
+            <a:stCxn id="66" idx="2"/>
+          </p:cNvCxnSpPr>
+          <p:nvPr/>
+        </p:nvCxnSpPr>
+        <p:spPr>
+          <a:xfrm>
+            <a:off x="5306555" y="4659078"/>
+            <a:ext cx="2338327" cy="548066"/>
+          </a:xfrm>
+          <a:prstGeom prst="straightConnector1">
+            <a:avLst/>
+          </a:prstGeom>
+          <a:ln w="12700">
+            <a:solidFill>
+              <a:srgbClr val="FF0000"/>
+            </a:solidFill>
+            <a:tailEnd type="triangle"/>
+          </a:ln>
+        </p:spPr>
+        <p:style>
+          <a:lnRef idx="1">
+            <a:schemeClr val="accent1"/>
+          </a:lnRef>
+          <a:fillRef idx="0">
+            <a:schemeClr val="accent1"/>
+          </a:fillRef>
+          <a:effectRef idx="0">
+            <a:schemeClr val="accent1"/>
+          </a:effectRef>
+          <a:fontRef idx="minor">
+            <a:schemeClr val="tx1"/>
+          </a:fontRef>
+        </p:style>
+      </p:cxnSp>
+      <p:cxnSp>
+        <p:nvCxnSpPr>
+          <p:cNvPr id="65" name="Straight Arrow Connector 64"/>
+          <p:cNvCxnSpPr/>
+          <p:nvPr/>
+        </p:nvCxnSpPr>
+        <p:spPr>
+          <a:xfrm>
+            <a:off x="6228764" y="4659078"/>
+            <a:ext cx="553093" cy="548066"/>
+          </a:xfrm>
+          <a:prstGeom prst="straightConnector1">
+            <a:avLst/>
+          </a:prstGeom>
+          <a:ln w="12700">
+            <a:solidFill>
+              <a:srgbClr val="FF0000"/>
+            </a:solidFill>
+            <a:tailEnd type="triangle"/>
+          </a:ln>
+        </p:spPr>
+        <p:style>
+          <a:lnRef idx="1">
+            <a:schemeClr val="accent1"/>
+          </a:lnRef>
+          <a:fillRef idx="0">
+            <a:schemeClr val="accent1"/>
+          </a:fillRef>
+          <a:effectRef idx="0">
+            <a:schemeClr val="accent1"/>
+          </a:effectRef>
+          <a:fontRef idx="minor">
+            <a:schemeClr val="tx1"/>
+          </a:fontRef>
+        </p:style>
+      </p:cxnSp>
+      <p:cxnSp>
+        <p:nvCxnSpPr>
+          <p:cNvPr id="66" name="Straight Arrow Connector 65"/>
+          <p:cNvCxnSpPr/>
+          <p:nvPr/>
+        </p:nvCxnSpPr>
+        <p:spPr>
+          <a:xfrm>
+            <a:off x="6228764" y="4659078"/>
+            <a:ext cx="1416118" cy="548066"/>
+          </a:xfrm>
+          <a:prstGeom prst="straightConnector1">
+            <a:avLst/>
+          </a:prstGeom>
+          <a:ln w="12700">
+            <a:solidFill>
+              <a:srgbClr val="FF0000"/>
+            </a:solidFill>
+            <a:tailEnd type="triangle"/>
+          </a:ln>
+        </p:spPr>
+        <p:style>
+          <a:lnRef idx="1">
+            <a:schemeClr val="accent1"/>
+          </a:lnRef>
+          <a:fillRef idx="0">
+            <a:schemeClr val="accent1"/>
+          </a:fillRef>
+          <a:effectRef idx="0">
+            <a:schemeClr val="accent1"/>
+          </a:effectRef>
+          <a:fontRef idx="minor">
+            <a:schemeClr val="tx1"/>
+          </a:fontRef>
+        </p:style>
+      </p:cxnSp>
     </p:spTree>
     <p:extLst>
       <p:ext uri="{BB962C8B-B14F-4D97-AF65-F5344CB8AC3E}">
-        <p14:creationId xmlns:p14="http://schemas.microsoft.com/office/powerpoint/2010/main" val="1385913666"/>
+        <p14:creationId xmlns:p14="http://schemas.microsoft.com/office/powerpoint/2010/main" val="786175281"/>
       </p:ext>
     </p:extLst>
   </p:cSld>
@@ -36627,141 +37382,7 @@
   <p:timing>
     <p:tnLst>
       <p:par>
-        <p:cTn id="1" dur="indefinite" restart="never" nodeType="tmRoot">
-          <p:childTnLst>
-            <p:seq concurrent="1" nextAc="seek">
-              <p:cTn id="2" dur="indefinite" nodeType="mainSeq">
-                <p:childTnLst>
-                  <p:par>
-                    <p:cTn id="3" fill="hold">
-                      <p:stCondLst>
-                        <p:cond delay="indefinite"/>
-                      </p:stCondLst>
-                      <p:childTnLst>
-                        <p:par>
-                          <p:cTn id="4" fill="hold">
-                            <p:stCondLst>
-                              <p:cond delay="0"/>
-                            </p:stCondLst>
-                            <p:childTnLst>
-                              <p:par>
-                                <p:cTn id="5" presetID="1" presetClass="entr" presetSubtype="0" fill="hold" nodeType="clickEffect">
-                                  <p:stCondLst>
-                                    <p:cond delay="0"/>
-                                  </p:stCondLst>
-                                  <p:childTnLst>
-                                    <p:set>
-                                      <p:cBhvr>
-                                        <p:cTn id="6" dur="1" fill="hold">
-                                          <p:stCondLst>
-                                            <p:cond delay="0"/>
-                                          </p:stCondLst>
-                                        </p:cTn>
-                                        <p:tgtEl>
-                                          <p:spTgt spid="3">
-                                            <p:txEl>
-                                              <p:pRg st="2" end="2"/>
-                                            </p:txEl>
-                                          </p:spTgt>
-                                        </p:tgtEl>
-                                        <p:attrNameLst>
-                                          <p:attrName>style.visibility</p:attrName>
-                                        </p:attrNameLst>
-                                      </p:cBhvr>
-                                      <p:to>
-                                        <p:strVal val="visible"/>
-                                      </p:to>
-                                    </p:set>
-                                  </p:childTnLst>
-                                </p:cTn>
-                              </p:par>
-                              <p:par>
-                                <p:cTn id="7" presetID="1" presetClass="entr" presetSubtype="0" fill="hold" nodeType="withEffect">
-                                  <p:stCondLst>
-                                    <p:cond delay="0"/>
-                                  </p:stCondLst>
-                                  <p:childTnLst>
-                                    <p:set>
-                                      <p:cBhvr>
-                                        <p:cTn id="8" dur="1" fill="hold">
-                                          <p:stCondLst>
-                                            <p:cond delay="0"/>
-                                          </p:stCondLst>
-                                        </p:cTn>
-                                        <p:tgtEl>
-                                          <p:spTgt spid="3">
-                                            <p:txEl>
-                                              <p:pRg st="3" end="3"/>
-                                            </p:txEl>
-                                          </p:spTgt>
-                                        </p:tgtEl>
-                                        <p:attrNameLst>
-                                          <p:attrName>style.visibility</p:attrName>
-                                        </p:attrNameLst>
-                                      </p:cBhvr>
-                                      <p:to>
-                                        <p:strVal val="visible"/>
-                                      </p:to>
-                                    </p:set>
-                                  </p:childTnLst>
-                                </p:cTn>
-                              </p:par>
-                              <p:par>
-                                <p:cTn id="9" presetID="1" presetClass="entr" presetSubtype="0" fill="hold" nodeType="withEffect">
-                                  <p:stCondLst>
-                                    <p:cond delay="0"/>
-                                  </p:stCondLst>
-                                  <p:childTnLst>
-                                    <p:set>
-                                      <p:cBhvr>
-                                        <p:cTn id="10" dur="1" fill="hold">
-                                          <p:stCondLst>
-                                            <p:cond delay="0"/>
-                                          </p:stCondLst>
-                                        </p:cTn>
-                                        <p:tgtEl>
-                                          <p:spTgt spid="3">
-                                            <p:txEl>
-                                              <p:pRg st="4" end="4"/>
-                                            </p:txEl>
-                                          </p:spTgt>
-                                        </p:tgtEl>
-                                        <p:attrNameLst>
-                                          <p:attrName>style.visibility</p:attrName>
-                                        </p:attrNameLst>
-                                      </p:cBhvr>
-                                      <p:to>
-                                        <p:strVal val="visible"/>
-                                      </p:to>
-                                    </p:set>
-                                  </p:childTnLst>
-                                </p:cTn>
-                              </p:par>
-                            </p:childTnLst>
-                          </p:cTn>
-                        </p:par>
-                      </p:childTnLst>
-                    </p:cTn>
-                  </p:par>
-                </p:childTnLst>
-              </p:cTn>
-              <p:prevCondLst>
-                <p:cond evt="onPrev" delay="0">
-                  <p:tgtEl>
-                    <p:sldTgt/>
-                  </p:tgtEl>
-                </p:cond>
-              </p:prevCondLst>
-              <p:nextCondLst>
-                <p:cond evt="onNext" delay="0">
-                  <p:tgtEl>
-                    <p:sldTgt/>
-                  </p:tgtEl>
-                </p:cond>
-              </p:nextCondLst>
-            </p:seq>
-          </p:childTnLst>
-        </p:cTn>
+        <p:cTn id="1" dur="indefinite" restart="never" nodeType="tmRoot"/>
       </p:par>
     </p:tnLst>
   </p:timing>
@@ -37354,6 +37975,323 @@
           <a:p>
             <a:r>
               <a:rPr lang="en-US" dirty="0"/>
+              <a:t>Conflict serializable </a:t>
+            </a:r>
+          </a:p>
+        </p:txBody>
+      </p:sp>
+      <p:sp>
+        <p:nvSpPr>
+          <p:cNvPr id="3" name="Content Placeholder 2"/>
+          <p:cNvSpPr>
+            <a:spLocks noGrp="1"/>
+          </p:cNvSpPr>
+          <p:nvPr>
+            <p:ph idx="1"/>
+          </p:nvPr>
+        </p:nvSpPr>
+        <p:spPr/>
+        <p:txBody>
+          <a:bodyPr/>
+          <a:lstStyle/>
+          <a:p>
+            <a:r>
+              <a:rPr lang="en-US" dirty="0"/>
+              <a:t>Schedule S is </a:t>
+            </a:r>
+            <a:r>
+              <a:rPr lang="en-US" b="1" dirty="0"/>
+              <a:t>conflict serializable </a:t>
+            </a:r>
+            <a:r>
+              <a:rPr lang="en-US" dirty="0"/>
+              <a:t>if S is </a:t>
+            </a:r>
+            <a:r>
+              <a:rPr lang="en-US" i="1" dirty="0">
+                <a:solidFill>
+                  <a:srgbClr val="ED7D31"/>
+                </a:solidFill>
+              </a:rPr>
+              <a:t>conflict equivalent</a:t>
+            </a:r>
+            <a:r>
+              <a:rPr lang="en-US" dirty="0"/>
+              <a:t> to some serial schedule</a:t>
+            </a:r>
+          </a:p>
+          <a:p>
+            <a:endParaRPr lang="en-US" dirty="0"/>
+          </a:p>
+          <a:p>
+            <a:r>
+              <a:rPr lang="en-US" dirty="0"/>
+              <a:t>Two schedules are </a:t>
+            </a:r>
+            <a:r>
+              <a:rPr lang="en-US" dirty="0">
+                <a:solidFill>
+                  <a:srgbClr val="ED7D31"/>
+                </a:solidFill>
+              </a:rPr>
+              <a:t>conflict equivalent </a:t>
+            </a:r>
+            <a:r>
+              <a:rPr lang="en-US" dirty="0"/>
+              <a:t>if:</a:t>
+            </a:r>
+          </a:p>
+          <a:p>
+            <a:pPr lvl="1">
+              <a:buSzPct val="75000"/>
+            </a:pPr>
+            <a:r>
+              <a:rPr lang="en-US" dirty="0"/>
+              <a:t>They involve </a:t>
+            </a:r>
+            <a:r>
+              <a:rPr lang="en-US" i="1" dirty="0"/>
+              <a:t>the same actions of the same TXNs</a:t>
+            </a:r>
+            <a:endParaRPr lang="en-US" dirty="0"/>
+          </a:p>
+          <a:p>
+            <a:pPr lvl="1">
+              <a:buSzPct val="75000"/>
+            </a:pPr>
+            <a:r>
+              <a:rPr lang="en-US" dirty="0"/>
+              <a:t>Every </a:t>
+            </a:r>
+            <a:r>
+              <a:rPr lang="en-US" i="1" dirty="0"/>
+              <a:t>pair of conflicting actions</a:t>
+            </a:r>
+            <a:r>
+              <a:rPr lang="en-US" dirty="0"/>
+              <a:t> of two TXNs are </a:t>
+            </a:r>
+            <a:r>
+              <a:rPr lang="en-US" i="1" dirty="0"/>
+              <a:t>ordered in the same way</a:t>
+            </a:r>
+          </a:p>
+          <a:p>
+            <a:endParaRPr lang="en-US" dirty="0"/>
+          </a:p>
+        </p:txBody>
+      </p:sp>
+      <p:sp>
+        <p:nvSpPr>
+          <p:cNvPr id="4" name="Slide Number Placeholder 3"/>
+          <p:cNvSpPr>
+            <a:spLocks noGrp="1"/>
+          </p:cNvSpPr>
+          <p:nvPr>
+            <p:ph type="sldNum" sz="quarter" idx="12"/>
+          </p:nvPr>
+        </p:nvSpPr>
+        <p:spPr/>
+        <p:txBody>
+          <a:bodyPr/>
+          <a:lstStyle/>
+          <a:p>
+            <a:fld id="{24AF9547-1ADA-7741-9454-C97103F281DA}" type="slidenum">
+              <a:rPr lang="en-US" smtClean="0"/>
+              <a:t>50</a:t>
+            </a:fld>
+            <a:endParaRPr lang="en-US"/>
+          </a:p>
+        </p:txBody>
+      </p:sp>
+    </p:spTree>
+    <p:extLst>
+      <p:ext uri="{BB962C8B-B14F-4D97-AF65-F5344CB8AC3E}">
+        <p14:creationId xmlns:p14="http://schemas.microsoft.com/office/powerpoint/2010/main" val="1385913666"/>
+      </p:ext>
+    </p:extLst>
+  </p:cSld>
+  <p:clrMapOvr>
+    <a:masterClrMapping/>
+  </p:clrMapOvr>
+  <p:timing>
+    <p:tnLst>
+      <p:par>
+        <p:cTn id="1" dur="indefinite" restart="never" nodeType="tmRoot">
+          <p:childTnLst>
+            <p:seq concurrent="1" nextAc="seek">
+              <p:cTn id="2" dur="indefinite" nodeType="mainSeq">
+                <p:childTnLst>
+                  <p:par>
+                    <p:cTn id="3" fill="hold">
+                      <p:stCondLst>
+                        <p:cond delay="indefinite"/>
+                      </p:stCondLst>
+                      <p:childTnLst>
+                        <p:par>
+                          <p:cTn id="4" fill="hold">
+                            <p:stCondLst>
+                              <p:cond delay="0"/>
+                            </p:stCondLst>
+                            <p:childTnLst>
+                              <p:par>
+                                <p:cTn id="5" presetID="1" presetClass="entr" presetSubtype="0" fill="hold" nodeType="clickEffect">
+                                  <p:stCondLst>
+                                    <p:cond delay="0"/>
+                                  </p:stCondLst>
+                                  <p:childTnLst>
+                                    <p:set>
+                                      <p:cBhvr>
+                                        <p:cTn id="6" dur="1" fill="hold">
+                                          <p:stCondLst>
+                                            <p:cond delay="0"/>
+                                          </p:stCondLst>
+                                        </p:cTn>
+                                        <p:tgtEl>
+                                          <p:spTgt spid="3">
+                                            <p:txEl>
+                                              <p:pRg st="2" end="2"/>
+                                            </p:txEl>
+                                          </p:spTgt>
+                                        </p:tgtEl>
+                                        <p:attrNameLst>
+                                          <p:attrName>style.visibility</p:attrName>
+                                        </p:attrNameLst>
+                                      </p:cBhvr>
+                                      <p:to>
+                                        <p:strVal val="visible"/>
+                                      </p:to>
+                                    </p:set>
+                                  </p:childTnLst>
+                                </p:cTn>
+                              </p:par>
+                              <p:par>
+                                <p:cTn id="7" presetID="1" presetClass="entr" presetSubtype="0" fill="hold" nodeType="withEffect">
+                                  <p:stCondLst>
+                                    <p:cond delay="0"/>
+                                  </p:stCondLst>
+                                  <p:childTnLst>
+                                    <p:set>
+                                      <p:cBhvr>
+                                        <p:cTn id="8" dur="1" fill="hold">
+                                          <p:stCondLst>
+                                            <p:cond delay="0"/>
+                                          </p:stCondLst>
+                                        </p:cTn>
+                                        <p:tgtEl>
+                                          <p:spTgt spid="3">
+                                            <p:txEl>
+                                              <p:pRg st="3" end="3"/>
+                                            </p:txEl>
+                                          </p:spTgt>
+                                        </p:tgtEl>
+                                        <p:attrNameLst>
+                                          <p:attrName>style.visibility</p:attrName>
+                                        </p:attrNameLst>
+                                      </p:cBhvr>
+                                      <p:to>
+                                        <p:strVal val="visible"/>
+                                      </p:to>
+                                    </p:set>
+                                  </p:childTnLst>
+                                </p:cTn>
+                              </p:par>
+                              <p:par>
+                                <p:cTn id="9" presetID="1" presetClass="entr" presetSubtype="0" fill="hold" nodeType="withEffect">
+                                  <p:stCondLst>
+                                    <p:cond delay="0"/>
+                                  </p:stCondLst>
+                                  <p:childTnLst>
+                                    <p:set>
+                                      <p:cBhvr>
+                                        <p:cTn id="10" dur="1" fill="hold">
+                                          <p:stCondLst>
+                                            <p:cond delay="0"/>
+                                          </p:stCondLst>
+                                        </p:cTn>
+                                        <p:tgtEl>
+                                          <p:spTgt spid="3">
+                                            <p:txEl>
+                                              <p:pRg st="4" end="4"/>
+                                            </p:txEl>
+                                          </p:spTgt>
+                                        </p:tgtEl>
+                                        <p:attrNameLst>
+                                          <p:attrName>style.visibility</p:attrName>
+                                        </p:attrNameLst>
+                                      </p:cBhvr>
+                                      <p:to>
+                                        <p:strVal val="visible"/>
+                                      </p:to>
+                                    </p:set>
+                                  </p:childTnLst>
+                                </p:cTn>
+                              </p:par>
+                            </p:childTnLst>
+                          </p:cTn>
+                        </p:par>
+                      </p:childTnLst>
+                    </p:cTn>
+                  </p:par>
+                </p:childTnLst>
+              </p:cTn>
+              <p:prevCondLst>
+                <p:cond evt="onPrev" delay="0">
+                  <p:tgtEl>
+                    <p:sldTgt/>
+                  </p:tgtEl>
+                </p:cond>
+              </p:prevCondLst>
+              <p:nextCondLst>
+                <p:cond evt="onNext" delay="0">
+                  <p:tgtEl>
+                    <p:sldTgt/>
+                  </p:tgtEl>
+                </p:cond>
+              </p:nextCondLst>
+            </p:seq>
+          </p:childTnLst>
+        </p:cTn>
+      </p:par>
+    </p:tnLst>
+  </p:timing>
+</p:sld>
+</file>
+
+<file path=ppt/slides/slide51.xml><?xml version="1.0" encoding="utf-8"?>
+<p:sld xmlns:a="http://schemas.openxmlformats.org/drawingml/2006/main" xmlns:r="http://schemas.openxmlformats.org/officeDocument/2006/relationships" xmlns:p="http://schemas.openxmlformats.org/presentationml/2006/main">
+  <p:cSld>
+    <p:spTree>
+      <p:nvGrpSpPr>
+        <p:cNvPr id="1" name=""/>
+        <p:cNvGrpSpPr/>
+        <p:nvPr/>
+      </p:nvGrpSpPr>
+      <p:grpSpPr>
+        <a:xfrm>
+          <a:off x="0" y="0"/>
+          <a:ext cx="0" cy="0"/>
+          <a:chOff x="0" y="0"/>
+          <a:chExt cx="0" cy="0"/>
+        </a:xfrm>
+      </p:grpSpPr>
+      <p:sp>
+        <p:nvSpPr>
+          <p:cNvPr id="2" name="Title 1"/>
+          <p:cNvSpPr>
+            <a:spLocks noGrp="1"/>
+          </p:cNvSpPr>
+          <p:nvPr>
+            <p:ph type="title"/>
+          </p:nvPr>
+        </p:nvSpPr>
+        <p:spPr/>
+        <p:txBody>
+          <a:bodyPr/>
+          <a:lstStyle/>
+          <a:p>
+            <a:r>
+              <a:rPr lang="en-US" dirty="0"/>
               <a:t>Are they conflict equivalent?</a:t>
             </a:r>
           </a:p>
@@ -37493,7 +38431,7 @@
           <a:p>
             <a:fld id="{24AF9547-1ADA-7741-9454-C97103F281DA}" type="slidenum">
               <a:rPr lang="en-US" smtClean="0"/>
-              <a:t>50</a:t>
+              <a:t>51</a:t>
             </a:fld>
             <a:endParaRPr lang="en-US"/>
           </a:p>
@@ -38572,7 +39510,7 @@
 </p:sld>
 </file>
 
-<file path=ppt/slides/slide51.xml><?xml version="1.0" encoding="utf-8"?>
+<file path=ppt/slides/slide52.xml><?xml version="1.0" encoding="utf-8"?>
 <p:sld xmlns:a="http://schemas.openxmlformats.org/drawingml/2006/main" xmlns:r="http://schemas.openxmlformats.org/officeDocument/2006/relationships" xmlns:p="http://schemas.openxmlformats.org/presentationml/2006/main">
   <p:cSld>
     <p:spTree>
@@ -38740,7 +39678,7 @@
           <a:p>
             <a:fld id="{24AF9547-1ADA-7741-9454-C97103F281DA}" type="slidenum">
               <a:rPr lang="en-US" smtClean="0"/>
-              <a:t>51</a:t>
+              <a:t>52</a:t>
             </a:fld>
             <a:endParaRPr lang="en-US"/>
           </a:p>
@@ -40325,7 +41263,7 @@
 </p:sld>
 </file>
 
-<file path=ppt/slides/slide52.xml><?xml version="1.0" encoding="utf-8"?>
+<file path=ppt/slides/slide53.xml><?xml version="1.0" encoding="utf-8"?>
 <p:sld xmlns:a="http://schemas.openxmlformats.org/drawingml/2006/main" xmlns:r="http://schemas.openxmlformats.org/officeDocument/2006/relationships" xmlns:p="http://schemas.openxmlformats.org/presentationml/2006/main">
   <p:cSld>
     <p:spTree>
@@ -40514,7 +41452,7 @@
           <a:p>
             <a:fld id="{24AF9547-1ADA-7741-9454-C97103F281DA}" type="slidenum">
               <a:rPr lang="en-US" smtClean="0"/>
-              <a:t>52</a:t>
+              <a:t>53</a:t>
             </a:fld>
             <a:endParaRPr lang="en-US"/>
           </a:p>
@@ -42582,7 +43520,7 @@
 </p:sld>
 </file>
 
-<file path=ppt/slides/slide53.xml><?xml version="1.0" encoding="utf-8"?>
+<file path=ppt/slides/slide54.xml><?xml version="1.0" encoding="utf-8"?>
 <p:sld xmlns:a="http://schemas.openxmlformats.org/drawingml/2006/main" xmlns:r="http://schemas.openxmlformats.org/officeDocument/2006/relationships" xmlns:p="http://schemas.openxmlformats.org/presentationml/2006/main">
   <p:cSld>
     <p:spTree>
@@ -42756,7 +43694,7 @@
           <a:p>
             <a:fld id="{24AF9547-1ADA-7741-9454-C97103F281DA}" type="slidenum">
               <a:rPr lang="en-US" smtClean="0"/>
-              <a:t>53</a:t>
+              <a:t>54</a:t>
             </a:fld>
             <a:endParaRPr lang="en-US"/>
           </a:p>
@@ -44265,7 +45203,7 @@
 </p:sld>
 </file>
 
-<file path=ppt/slides/slide54.xml><?xml version="1.0" encoding="utf-8"?>
+<file path=ppt/slides/slide55.xml><?xml version="1.0" encoding="utf-8"?>
 <p:sld xmlns:a="http://schemas.openxmlformats.org/drawingml/2006/main" xmlns:r="http://schemas.openxmlformats.org/officeDocument/2006/relationships" xmlns:p="http://schemas.openxmlformats.org/presentationml/2006/main">
   <p:cSld>
     <p:spTree>
@@ -44330,7 +45268,7 @@
           <a:p>
             <a:fld id="{24AF9547-1ADA-7741-9454-C97103F281DA}" type="slidenum">
               <a:rPr lang="en-US" smtClean="0"/>
-              <a:t>54</a:t>
+              <a:t>55</a:t>
             </a:fld>
             <a:endParaRPr lang="en-US"/>
           </a:p>
@@ -46053,7 +46991,7 @@
 </p:sld>
 </file>
 
-<file path=ppt/slides/slide55.xml><?xml version="1.0" encoding="utf-8"?>
+<file path=ppt/slides/slide56.xml><?xml version="1.0" encoding="utf-8"?>
 <p:sld xmlns:a="http://schemas.openxmlformats.org/drawingml/2006/main" xmlns:r="http://schemas.openxmlformats.org/officeDocument/2006/relationships" xmlns:p="http://schemas.openxmlformats.org/presentationml/2006/main">
   <p:cSld>
     <p:spTree>
@@ -46244,7 +47182,7 @@
           <a:p>
             <a:fld id="{24AF9547-1ADA-7741-9454-C97103F281DA}" type="slidenum">
               <a:rPr lang="en-US" smtClean="0"/>
-              <a:t>55</a:t>
+              <a:t>56</a:t>
             </a:fld>
             <a:endParaRPr lang="en-US"/>
           </a:p>
@@ -46590,7 +47528,7 @@
 </p:sld>
 </file>
 
-<file path=ppt/slides/slide56.xml><?xml version="1.0" encoding="utf-8"?>
+<file path=ppt/slides/slide57.xml><?xml version="1.0" encoding="utf-8"?>
 <p:sld xmlns:a="http://schemas.openxmlformats.org/drawingml/2006/main" xmlns:r="http://schemas.openxmlformats.org/officeDocument/2006/relationships" xmlns:p="http://schemas.openxmlformats.org/presentationml/2006/main">
   <p:cSld>
     <p:spTree>
@@ -46646,7 +47584,7 @@
           <a:p>
             <a:fld id="{24AF9547-1ADA-7741-9454-C97103F281DA}" type="slidenum">
               <a:rPr lang="en-US" smtClean="0"/>
-              <a:t>56</a:t>
+              <a:t>57</a:t>
             </a:fld>
             <a:endParaRPr lang="en-US"/>
           </a:p>
@@ -47405,7 +48343,7 @@
 </p:sld>
 </file>
 
-<file path=ppt/slides/slide57.xml><?xml version="1.0" encoding="utf-8"?>
+<file path=ppt/slides/slide58.xml><?xml version="1.0" encoding="utf-8"?>
 <p:sld xmlns:a="http://schemas.openxmlformats.org/drawingml/2006/main" xmlns:r="http://schemas.openxmlformats.org/officeDocument/2006/relationships" xmlns:p="http://schemas.openxmlformats.org/presentationml/2006/main">
   <p:cSld>
     <p:spTree>
@@ -47605,7 +48543,7 @@
           <a:p>
             <a:fld id="{24AF9547-1ADA-7741-9454-C97103F281DA}" type="slidenum">
               <a:rPr lang="en-US" smtClean="0"/>
-              <a:t>57</a:t>
+              <a:t>58</a:t>
             </a:fld>
             <a:endParaRPr lang="en-US"/>
           </a:p>
@@ -47731,7 +48669,7 @@
             <a:fld id="{24AF9547-1ADA-7741-9454-C97103F281DA}" type="slidenum">
               <a:rPr lang="en-US" smtClean="0"/>
               <a:pPr/>
-              <a:t>57</a:t>
+              <a:t>58</a:t>
             </a:fld>
             <a:endParaRPr lang="en-US"/>
           </a:p>
@@ -47750,7 +48688,7 @@
 </p:sld>
 </file>
 
-<file path=ppt/slides/slide58.xml><?xml version="1.0" encoding="utf-8"?>
+<file path=ppt/slides/slide59.xml><?xml version="1.0" encoding="utf-8"?>
 <p:sld xmlns:a="http://schemas.openxmlformats.org/drawingml/2006/main" xmlns:r="http://schemas.openxmlformats.org/officeDocument/2006/relationships" xmlns:p="http://schemas.openxmlformats.org/presentationml/2006/main">
   <p:cSld>
     <p:spTree>
@@ -48349,7 +49287,7 @@
           <p:cNvPr id="4" name="Slide Number Placeholder 3">
             <a:extLst>
               <a:ext uri="{FF2B5EF4-FFF2-40B4-BE49-F238E27FC236}">
-                <a16:creationId xmlns:a16="http://schemas.microsoft.com/office/drawing/2014/main" id="{DD140D70-CF44-D54B-9AE3-D29B681A0D33}"/>
+                <a16:creationId xmlns:a16="http://schemas.microsoft.com/office/drawing/2014/main" xmlns="" id="{DD140D70-CF44-D54B-9AE3-D29B681A0D33}"/>
               </a:ext>
             </a:extLst>
           </p:cNvPr>
@@ -48367,7 +49305,7 @@
           <a:p>
             <a:fld id="{24AF9547-1ADA-7741-9454-C97103F281DA}" type="slidenum">
               <a:rPr lang="en-US" smtClean="0"/>
-              <a:t>58</a:t>
+              <a:t>59</a:t>
             </a:fld>
             <a:endParaRPr lang="en-US"/>
           </a:p>
